--- a/宣道詩/(宣道詩158) 完全奉獻.pptx
+++ b/宣道詩/(宣道詩158) 完全奉獻.pptx
@@ -5,22 +5,28 @@
     <p:sldMasterId id="2147483660" r:id="rId1"/>
   </p:sldMasterIdLst>
   <p:notesMasterIdLst>
-    <p:notesMasterId r:id="rId12"/>
+    <p:notesMasterId r:id="rId18"/>
   </p:notesMasterIdLst>
   <p:handoutMasterIdLst>
-    <p:handoutMasterId r:id="rId13"/>
+    <p:handoutMasterId r:id="rId19"/>
   </p:handoutMasterIdLst>
   <p:sldIdLst>
-    <p:sldId id="1605" r:id="rId2"/>
-    <p:sldId id="1606" r:id="rId3"/>
-    <p:sldId id="1607" r:id="rId4"/>
-    <p:sldId id="1608" r:id="rId5"/>
-    <p:sldId id="1609" r:id="rId6"/>
-    <p:sldId id="1610" r:id="rId7"/>
-    <p:sldId id="1611" r:id="rId8"/>
-    <p:sldId id="1612" r:id="rId9"/>
-    <p:sldId id="1613" r:id="rId10"/>
-    <p:sldId id="1614" r:id="rId11"/>
+    <p:sldId id="1615" r:id="rId2"/>
+    <p:sldId id="1616" r:id="rId3"/>
+    <p:sldId id="1617" r:id="rId4"/>
+    <p:sldId id="1618" r:id="rId5"/>
+    <p:sldId id="1619" r:id="rId6"/>
+    <p:sldId id="1620" r:id="rId7"/>
+    <p:sldId id="1621" r:id="rId8"/>
+    <p:sldId id="1622" r:id="rId9"/>
+    <p:sldId id="1623" r:id="rId10"/>
+    <p:sldId id="1624" r:id="rId11"/>
+    <p:sldId id="1625" r:id="rId12"/>
+    <p:sldId id="1626" r:id="rId13"/>
+    <p:sldId id="1627" r:id="rId14"/>
+    <p:sldId id="1628" r:id="rId15"/>
+    <p:sldId id="1629" r:id="rId16"/>
+    <p:sldId id="1630" r:id="rId17"/>
   </p:sldIdLst>
   <p:sldSz cx="12192000" cy="6858000"/>
   <p:notesSz cx="6858000" cy="9144000"/>
@@ -3726,187 +3732,161 @@
       </p:grpSpPr>
       <p:sp>
         <p:nvSpPr>
-          <p:cNvPr id="4" name="Title 3"/>
+          <p:cNvPr id="4" name="標題 3"/>
           <p:cNvSpPr>
             <a:spLocks noGrp="1"/>
           </p:cNvSpPr>
           <p:nvPr>
             <p:ph type="title"/>
           </p:nvPr>
-        </p:nvSpPr>
-        <p:spPr/>
-        <p:txBody>
-          <a:bodyPr>
-            <a:normAutofit/>
-          </a:bodyPr>
-          <a:lstStyle/>
-          <a:p>
-            <a:r>
-              <a:rPr lang="en-US" altLang="zh-CN" sz="4800" b="1" dirty="0">
-                <a:solidFill>
-                  <a:srgbClr val="002060"/>
-                </a:solidFill>
-                <a:latin typeface="Microsoft JhengHei" panose="020B0604030504040204" pitchFamily="34" charset="-120"/>
-                <a:ea typeface="Microsoft JhengHei" panose="020B0604030504040204" pitchFamily="34" charset="-120"/>
-              </a:rPr>
-              <a:t>【</a:t>
-            </a:r>
-            <a:r>
-              <a:rPr lang="zh-CN" altLang="en-US" sz="4800" b="1" dirty="0">
-                <a:solidFill>
-                  <a:srgbClr val="002060"/>
-                </a:solidFill>
-                <a:latin typeface="Microsoft JhengHei" panose="020B0604030504040204" pitchFamily="34" charset="-120"/>
-                <a:ea typeface="Microsoft JhengHei" panose="020B0604030504040204" pitchFamily="34" charset="-120"/>
-              </a:rPr>
-              <a:t>完全奉獻</a:t>
-            </a:r>
-            <a:r>
-              <a:rPr lang="en-US" altLang="zh-CN" sz="4800" b="1" dirty="0">
-                <a:solidFill>
-                  <a:srgbClr val="002060"/>
-                </a:solidFill>
-                <a:latin typeface="Microsoft JhengHei" panose="020B0604030504040204" pitchFamily="34" charset="-120"/>
-                <a:ea typeface="Microsoft JhengHei" panose="020B0604030504040204" pitchFamily="34" charset="-120"/>
-              </a:rPr>
-              <a:t>】</a:t>
-            </a:r>
-            <a:endParaRPr lang="zh-CN" altLang="en-US" sz="4800" b="1" dirty="0">
-              <a:solidFill>
-                <a:srgbClr val="002060"/>
-              </a:solidFill>
-              <a:latin typeface="Microsoft JhengHei" panose="020B0604030504040204" pitchFamily="34" charset="-120"/>
-              <a:ea typeface="Microsoft JhengHei" panose="020B0604030504040204" pitchFamily="34" charset="-120"/>
-            </a:endParaRPr>
-          </a:p>
-        </p:txBody>
-      </p:sp>
-      <p:sp>
-        <p:nvSpPr>
-          <p:cNvPr id="5" name="Content Placeholder 4"/>
-          <p:cNvSpPr>
-            <a:spLocks noGrp="1"/>
-          </p:cNvSpPr>
-          <p:nvPr>
-            <p:ph idx="1"/>
-          </p:nvPr>
-        </p:nvSpPr>
-        <p:spPr/>
-        <p:txBody>
-          <a:bodyPr>
-            <a:normAutofit/>
-          </a:bodyPr>
-          <a:lstStyle/>
-          <a:p>
-            <a:pPr marL="0" indent="0" algn="ctr">
-              <a:buNone/>
-            </a:pPr>
-            <a:r>
-              <a:rPr lang="zh-TW" altLang="en-US" sz="5400" b="1" dirty="0">
-                <a:solidFill>
-                  <a:srgbClr val="002060"/>
-                </a:solidFill>
-                <a:latin typeface="Microsoft JhengHei" panose="020B0604030504040204" pitchFamily="34" charset="-120"/>
-                <a:ea typeface="Microsoft JhengHei" panose="020B0604030504040204" pitchFamily="34" charset="-120"/>
-              </a:rPr>
-              <a:t>全所有 我獻與耶穌</a:t>
-            </a:r>
-          </a:p>
-          <a:p>
-            <a:pPr marL="0" indent="0" algn="ctr">
-              <a:buNone/>
-            </a:pPr>
-            <a:r>
-              <a:rPr lang="zh-TW" altLang="en-US" sz="5400" b="1" dirty="0">
-                <a:solidFill>
-                  <a:srgbClr val="002060"/>
-                </a:solidFill>
-                <a:latin typeface="Microsoft JhengHei" panose="020B0604030504040204" pitchFamily="34" charset="-120"/>
-                <a:ea typeface="Microsoft JhengHei" panose="020B0604030504040204" pitchFamily="34" charset="-120"/>
-              </a:rPr>
-              <a:t>全所有我歡喜獻</a:t>
-            </a:r>
-          </a:p>
-          <a:p>
-            <a:pPr marL="0" indent="0" algn="ctr">
-              <a:buNone/>
-            </a:pPr>
-            <a:r>
-              <a:rPr lang="zh-TW" altLang="en-US" sz="5400" b="1" dirty="0">
-                <a:solidFill>
-                  <a:srgbClr val="002060"/>
-                </a:solidFill>
-                <a:latin typeface="Microsoft JhengHei" panose="020B0604030504040204" pitchFamily="34" charset="-120"/>
-                <a:ea typeface="Microsoft JhengHei" panose="020B0604030504040204" pitchFamily="34" charset="-120"/>
-              </a:rPr>
-              <a:t>我要時常愛主靠主</a:t>
-            </a:r>
-          </a:p>
-          <a:p>
-            <a:pPr marL="0" indent="0" algn="ctr">
-              <a:buNone/>
-            </a:pPr>
-            <a:r>
-              <a:rPr lang="zh-TW" altLang="en-US" sz="5400" b="1" dirty="0">
-                <a:solidFill>
-                  <a:srgbClr val="002060"/>
-                </a:solidFill>
-                <a:latin typeface="Microsoft JhengHei" panose="020B0604030504040204" pitchFamily="34" charset="-120"/>
-                <a:ea typeface="Microsoft JhengHei" panose="020B0604030504040204" pitchFamily="34" charset="-120"/>
-              </a:rPr>
-              <a:t>與主相親至永遠</a:t>
-            </a:r>
-          </a:p>
-        </p:txBody>
-      </p:sp>
-      <p:sp>
-        <p:nvSpPr>
-          <p:cNvPr id="6" name="Text Box 1"/>
-          <p:cNvSpPr txBox="1"/>
-          <p:nvPr/>
         </p:nvSpPr>
         <p:spPr>
           <a:xfrm>
-            <a:off x="1415480" y="1700808"/>
-            <a:ext cx="911424" cy="923330"/>
+            <a:off x="0" y="2756925"/>
+            <a:ext cx="12192000" cy="1143000"/>
           </a:xfrm>
-          <a:prstGeom prst="rect">
-            <a:avLst/>
-          </a:prstGeom>
-          <a:noFill/>
-          <a:ln w="9525">
-            <a:noFill/>
-            <a:miter lim="800000"/>
-          </a:ln>
         </p:spPr>
         <p:txBody>
-          <a:bodyPr wrap="square">
-            <a:spAutoFit/>
+          <a:bodyPr>
+            <a:noAutofit/>
           </a:bodyPr>
           <a:lstStyle/>
           <a:p>
-            <a:pPr algn="ctr"/>
-            <a:r>
-              <a:rPr lang="en-US" sz="5400" b="1" dirty="0">
-                <a:solidFill>
-                  <a:srgbClr val="002060"/>
-                </a:solidFill>
+            <a:r>
+              <a:rPr lang="zh-CN" altLang="en-US" sz="5333" b="1" u="sng" dirty="0">
+                <a:solidFill>
+                  <a:srgbClr val="660033"/>
+                </a:solidFill>
+                <a:effectLst>
+                  <a:outerShdw blurRad="38100" dist="38100" dir="2700000" algn="tl">
+                    <a:srgbClr val="000000">
+                      <a:alpha val="43137"/>
+                    </a:srgbClr>
+                  </a:outerShdw>
+                </a:effectLst>
+                <a:latin typeface="微軟正黑體" pitchFamily="34" charset="-120"/>
+                <a:ea typeface="微軟正黑體" pitchFamily="34" charset="-120"/>
               </a:rPr>
-              <a:t>1.</a:t>
-            </a:r>
+              <a:t>宣道詩 </a:t>
+            </a:r>
+            <a:r>
+              <a:rPr lang="en-US" altLang="zh-CN" sz="5333" b="1" u="sng" dirty="0">
+                <a:solidFill>
+                  <a:srgbClr val="660033"/>
+                </a:solidFill>
+                <a:effectLst>
+                  <a:outerShdw blurRad="38100" dist="38100" dir="2700000" algn="tl">
+                    <a:srgbClr val="000000">
+                      <a:alpha val="43137"/>
+                    </a:srgbClr>
+                  </a:outerShdw>
+                </a:effectLst>
+                <a:latin typeface="微軟正黑體" pitchFamily="34" charset="-120"/>
+                <a:ea typeface="微軟正黑體" pitchFamily="34" charset="-120"/>
+              </a:rPr>
+              <a:t>158</a:t>
+            </a:r>
+            <a:r>
+              <a:rPr lang="en-US" altLang="zh-CN" sz="7200" b="1" i="1" dirty="0">
+                <a:solidFill>
+                  <a:schemeClr val="bg1"/>
+                </a:solidFill>
+                <a:effectLst>
+                  <a:outerShdw blurRad="38100" dist="38100" dir="2700000" algn="tl">
+                    <a:srgbClr val="000000">
+                      <a:alpha val="43137"/>
+                    </a:srgbClr>
+                  </a:outerShdw>
+                </a:effectLst>
+                <a:latin typeface="微軟正黑體" pitchFamily="34" charset="-120"/>
+                <a:ea typeface="微軟正黑體" pitchFamily="34" charset="-120"/>
+              </a:rPr>
+              <a:t/>
+            </a:r>
+            <a:br>
+              <a:rPr lang="en-US" altLang="zh-CN" sz="7200" b="1" i="1" dirty="0">
+                <a:solidFill>
+                  <a:schemeClr val="bg1"/>
+                </a:solidFill>
+                <a:effectLst>
+                  <a:outerShdw blurRad="38100" dist="38100" dir="2700000" algn="tl">
+                    <a:srgbClr val="000000">
+                      <a:alpha val="43137"/>
+                    </a:srgbClr>
+                  </a:outerShdw>
+                </a:effectLst>
+                <a:latin typeface="微軟正黑體" pitchFamily="34" charset="-120"/>
+                <a:ea typeface="微軟正黑體" pitchFamily="34" charset="-120"/>
+              </a:rPr>
+            </a:br>
+            <a:r>
+              <a:rPr lang="zh-CN" altLang="en-US" sz="8000" b="1" dirty="0">
+                <a:solidFill>
+                  <a:srgbClr val="000066"/>
+                </a:solidFill>
+                <a:effectLst>
+                  <a:outerShdw blurRad="38100" dist="38100" dir="2700000" algn="tl">
+                    <a:srgbClr val="000000">
+                      <a:alpha val="43137"/>
+                    </a:srgbClr>
+                  </a:outerShdw>
+                </a:effectLst>
+                <a:latin typeface="微軟正黑體" pitchFamily="34" charset="-120"/>
+                <a:ea typeface="微軟正黑體" pitchFamily="34" charset="-120"/>
+              </a:rPr>
+              <a:t>完</a:t>
+            </a:r>
+            <a:r>
+              <a:rPr lang="zh-CN" altLang="en-US" sz="8000" b="1" dirty="0">
+                <a:solidFill>
+                  <a:srgbClr val="000066"/>
+                </a:solidFill>
+                <a:effectLst>
+                  <a:outerShdw blurRad="38100" dist="38100" dir="2700000" algn="tl">
+                    <a:srgbClr val="000000">
+                      <a:alpha val="43137"/>
+                    </a:srgbClr>
+                  </a:outerShdw>
+                </a:effectLst>
+                <a:latin typeface="微軟正黑體" pitchFamily="34" charset="-120"/>
+                <a:ea typeface="微軟正黑體" pitchFamily="34" charset="-120"/>
+              </a:rPr>
+              <a:t>全奉獻</a:t>
+            </a:r>
+            <a:endParaRPr lang="zh-TW" altLang="en-US" sz="8000" b="1" dirty="0">
+              <a:solidFill>
+                <a:srgbClr val="000066"/>
+              </a:solidFill>
+              <a:effectLst>
+                <a:outerShdw blurRad="38100" dist="38100" dir="2700000" algn="tl">
+                  <a:srgbClr val="000000">
+                    <a:alpha val="43137"/>
+                  </a:srgbClr>
+                </a:outerShdw>
+              </a:effectLst>
+              <a:latin typeface="微軟正黑體" pitchFamily="34" charset="-120"/>
+              <a:ea typeface="微軟正黑體" pitchFamily="34" charset="-120"/>
+            </a:endParaRPr>
           </a:p>
         </p:txBody>
       </p:sp>
     </p:spTree>
     <p:extLst>
       <p:ext uri="{BB962C8B-B14F-4D97-AF65-F5344CB8AC3E}">
-        <p14:creationId xmlns:p14="http://schemas.microsoft.com/office/powerpoint/2010/main" val="3359668440"/>
+        <p14:creationId xmlns:p14="http://schemas.microsoft.com/office/powerpoint/2010/main" val="2023649670"/>
       </p:ext>
     </p:extLst>
   </p:cSld>
   <p:clrMapOvr>
     <a:masterClrMapping/>
   </p:clrMapOvr>
+  <p:timing>
+    <p:tnLst>
+      <p:par>
+        <p:cTn id="1" dur="indefinite" restart="never" nodeType="tmRoot"/>
+      </p:par>
+    </p:tnLst>
+  </p:timing>
 </p:sld>
 </file>
 
@@ -3929,54 +3909,57 @@
       </p:grpSpPr>
       <p:sp>
         <p:nvSpPr>
-          <p:cNvPr id="4" name="Title 3"/>
-          <p:cNvSpPr>
-            <a:spLocks noGrp="1"/>
-          </p:cNvSpPr>
-          <p:nvPr>
-            <p:ph type="title"/>
-          </p:nvPr>
-        </p:nvSpPr>
-        <p:spPr/>
-        <p:txBody>
-          <a:bodyPr>
+          <p:cNvPr id="5" name="內容版面配置區 4"/>
+          <p:cNvSpPr>
+            <a:spLocks noGrp="1"/>
+          </p:cNvSpPr>
+          <p:nvPr>
+            <p:ph idx="1"/>
+          </p:nvPr>
+        </p:nvSpPr>
+        <p:spPr>
+          <a:xfrm>
+            <a:off x="0" y="2084851"/>
+            <a:ext cx="12192000" cy="2404863"/>
+          </a:xfrm>
+        </p:spPr>
+        <p:txBody>
+          <a:bodyPr anchor="ctr">
             <a:normAutofit/>
           </a:bodyPr>
           <a:lstStyle/>
           <a:p>
-            <a:r>
-              <a:rPr lang="en-US" altLang="zh-CN" sz="4800" b="1" dirty="0">
-                <a:solidFill>
-                  <a:srgbClr val="002060"/>
+            <a:pPr marL="0" indent="0" algn="ctr">
+              <a:buNone/>
+            </a:pPr>
+            <a:r>
+              <a:rPr lang="zh-TW" altLang="en-US" sz="6400" b="1" dirty="0">
+                <a:solidFill>
+                  <a:srgbClr val="000066"/>
                 </a:solidFill>
                 <a:latin typeface="Microsoft JhengHei" panose="020B0604030504040204" pitchFamily="34" charset="-120"/>
                 <a:ea typeface="Microsoft JhengHei" panose="020B0604030504040204" pitchFamily="34" charset="-120"/>
               </a:rPr>
-              <a:t>【</a:t>
-            </a:r>
-            <a:r>
-              <a:rPr lang="zh-CN" altLang="en-US" sz="4800" b="1" dirty="0">
-                <a:solidFill>
-                  <a:srgbClr val="002060"/>
+              <a:t>全所有奉獻  全所有奉獻</a:t>
+            </a:r>
+          </a:p>
+          <a:p>
+            <a:pPr marL="0" indent="0" algn="ctr">
+              <a:buNone/>
+            </a:pPr>
+            <a:r>
+              <a:rPr lang="zh-TW" altLang="en-US" sz="6400" b="1" dirty="0">
+                <a:solidFill>
+                  <a:srgbClr val="000066"/>
                 </a:solidFill>
                 <a:latin typeface="Microsoft JhengHei" panose="020B0604030504040204" pitchFamily="34" charset="-120"/>
                 <a:ea typeface="Microsoft JhengHei" panose="020B0604030504040204" pitchFamily="34" charset="-120"/>
               </a:rPr>
-              <a:t>完全奉獻</a:t>
-            </a:r>
-            <a:r>
-              <a:rPr lang="en-US" altLang="zh-CN" sz="4800" b="1" dirty="0">
-                <a:solidFill>
-                  <a:srgbClr val="002060"/>
-                </a:solidFill>
-                <a:latin typeface="Microsoft JhengHei" panose="020B0604030504040204" pitchFamily="34" charset="-120"/>
-                <a:ea typeface="Microsoft JhengHei" panose="020B0604030504040204" pitchFamily="34" charset="-120"/>
-              </a:rPr>
-              <a:t>】</a:t>
-            </a:r>
-            <a:endParaRPr lang="zh-CN" altLang="en-US" sz="4800" b="1" dirty="0">
+              <a:t>獻與愛我尊貴救主  全所有奉獻 </a:t>
+            </a:r>
+            <a:endParaRPr lang="zh-TW" altLang="en-US" sz="6400" b="1" dirty="0">
               <a:solidFill>
-                <a:srgbClr val="002060"/>
+                <a:srgbClr val="000066"/>
               </a:solidFill>
               <a:latin typeface="Microsoft JhengHei" panose="020B0604030504040204" pitchFamily="34" charset="-120"/>
               <a:ea typeface="Microsoft JhengHei" panose="020B0604030504040204" pitchFamily="34" charset="-120"/>
@@ -3984,94 +3967,769 @@
           </a:p>
         </p:txBody>
       </p:sp>
-      <p:sp>
-        <p:nvSpPr>
-          <p:cNvPr id="5" name="Content Placeholder 4"/>
-          <p:cNvSpPr>
-            <a:spLocks noGrp="1"/>
-          </p:cNvSpPr>
-          <p:nvPr>
-            <p:ph idx="1"/>
-          </p:nvPr>
-        </p:nvSpPr>
-        <p:spPr/>
-        <p:txBody>
-          <a:bodyPr>
-            <a:normAutofit/>
-          </a:bodyPr>
-          <a:lstStyle/>
-          <a:p>
-            <a:pPr marL="0" indent="0" algn="ctr">
-              <a:buNone/>
-            </a:pPr>
-            <a:r>
-              <a:rPr lang="zh-TW" altLang="en-US" sz="5400" b="1" dirty="0">
-                <a:solidFill>
-                  <a:srgbClr val="002060"/>
-                </a:solidFill>
-                <a:latin typeface="Microsoft JhengHei" panose="020B0604030504040204" pitchFamily="34" charset="-120"/>
-                <a:ea typeface="Microsoft JhengHei" panose="020B0604030504040204" pitchFamily="34" charset="-120"/>
-              </a:rPr>
-              <a:t>全所有奉獻</a:t>
-            </a:r>
-          </a:p>
-          <a:p>
-            <a:pPr marL="0" indent="0" algn="ctr">
-              <a:buNone/>
-            </a:pPr>
-            <a:r>
-              <a:rPr lang="zh-TW" altLang="en-US" sz="5400" b="1" dirty="0">
-                <a:solidFill>
-                  <a:srgbClr val="002060"/>
-                </a:solidFill>
-                <a:latin typeface="Microsoft JhengHei" panose="020B0604030504040204" pitchFamily="34" charset="-120"/>
-                <a:ea typeface="Microsoft JhengHei" panose="020B0604030504040204" pitchFamily="34" charset="-120"/>
-              </a:rPr>
-              <a:t>全所有奉獻</a:t>
-            </a:r>
-          </a:p>
-          <a:p>
-            <a:pPr marL="0" indent="0" algn="ctr">
-              <a:buNone/>
-            </a:pPr>
-            <a:r>
-              <a:rPr lang="zh-TW" altLang="en-US" sz="5400" b="1" dirty="0">
-                <a:solidFill>
-                  <a:srgbClr val="002060"/>
-                </a:solidFill>
-                <a:latin typeface="Microsoft JhengHei" panose="020B0604030504040204" pitchFamily="34" charset="-120"/>
-                <a:ea typeface="Microsoft JhengHei" panose="020B0604030504040204" pitchFamily="34" charset="-120"/>
-              </a:rPr>
-              <a:t>獻與愛我尊貴救主</a:t>
-            </a:r>
-          </a:p>
-          <a:p>
-            <a:pPr marL="0" indent="0" algn="ctr">
-              <a:buNone/>
-            </a:pPr>
-            <a:r>
-              <a:rPr lang="zh-TW" altLang="en-US" sz="5400" b="1" dirty="0">
-                <a:solidFill>
-                  <a:srgbClr val="002060"/>
-                </a:solidFill>
-                <a:latin typeface="Microsoft JhengHei" panose="020B0604030504040204" pitchFamily="34" charset="-120"/>
-                <a:ea typeface="Microsoft JhengHei" panose="020B0604030504040204" pitchFamily="34" charset="-120"/>
-              </a:rPr>
-              <a:t>全所有奉獻 </a:t>
-            </a:r>
-          </a:p>
-        </p:txBody>
-      </p:sp>
     </p:spTree>
     <p:extLst>
       <p:ext uri="{BB962C8B-B14F-4D97-AF65-F5344CB8AC3E}">
-        <p14:creationId xmlns:p14="http://schemas.microsoft.com/office/powerpoint/2010/main" val="2015116122"/>
+        <p14:creationId xmlns:p14="http://schemas.microsoft.com/office/powerpoint/2010/main" val="4091681186"/>
       </p:ext>
     </p:extLst>
   </p:cSld>
   <p:clrMapOvr>
     <a:masterClrMapping/>
   </p:clrMapOvr>
+  <p:timing>
+    <p:tnLst>
+      <p:par>
+        <p:cTn id="1" dur="indefinite" restart="never" nodeType="tmRoot"/>
+      </p:par>
+    </p:tnLst>
+  </p:timing>
+</p:sld>
+</file>
+
+<file path=ppt/slides/slide11.xml><?xml version="1.0" encoding="utf-8"?>
+<p:sld xmlns:a="http://schemas.openxmlformats.org/drawingml/2006/main" xmlns:r="http://schemas.openxmlformats.org/officeDocument/2006/relationships" xmlns:p="http://schemas.openxmlformats.org/presentationml/2006/main">
+  <p:cSld>
+    <p:spTree>
+      <p:nvGrpSpPr>
+        <p:cNvPr id="1" name=""/>
+        <p:cNvGrpSpPr/>
+        <p:nvPr/>
+      </p:nvGrpSpPr>
+      <p:grpSpPr>
+        <a:xfrm>
+          <a:off x="0" y="0"/>
+          <a:ext cx="0" cy="0"/>
+          <a:chOff x="0" y="0"/>
+          <a:chExt cx="0" cy="0"/>
+        </a:xfrm>
+      </p:grpSpPr>
+      <p:sp>
+        <p:nvSpPr>
+          <p:cNvPr id="5" name="內容版面配置區 4"/>
+          <p:cNvSpPr>
+            <a:spLocks noGrp="1"/>
+          </p:cNvSpPr>
+          <p:nvPr>
+            <p:ph idx="1"/>
+          </p:nvPr>
+        </p:nvSpPr>
+        <p:spPr>
+          <a:xfrm>
+            <a:off x="0" y="2084851"/>
+            <a:ext cx="12192000" cy="2404863"/>
+          </a:xfrm>
+        </p:spPr>
+        <p:txBody>
+          <a:bodyPr anchor="ctr">
+            <a:normAutofit/>
+          </a:bodyPr>
+          <a:lstStyle/>
+          <a:p>
+            <a:pPr marL="0" indent="0" algn="ctr">
+              <a:buNone/>
+            </a:pPr>
+            <a:r>
+              <a:rPr lang="zh-TW" altLang="en-US" sz="6400" b="1" dirty="0">
+                <a:solidFill>
+                  <a:srgbClr val="000066"/>
+                </a:solidFill>
+                <a:latin typeface="Microsoft JhengHei" panose="020B0604030504040204" pitchFamily="34" charset="-120"/>
+                <a:ea typeface="Microsoft JhengHei" panose="020B0604030504040204" pitchFamily="34" charset="-120"/>
+              </a:rPr>
+              <a:t>全所有我獻與耶穌</a:t>
+            </a:r>
+          </a:p>
+          <a:p>
+            <a:pPr marL="0" indent="0" algn="ctr">
+              <a:buNone/>
+            </a:pPr>
+            <a:r>
+              <a:rPr lang="zh-TW" altLang="en-US" sz="6400" b="1" dirty="0">
+                <a:solidFill>
+                  <a:srgbClr val="000066"/>
+                </a:solidFill>
+                <a:latin typeface="Microsoft JhengHei" panose="020B0604030504040204" pitchFamily="34" charset="-120"/>
+                <a:ea typeface="Microsoft JhengHei" panose="020B0604030504040204" pitchFamily="34" charset="-120"/>
+              </a:rPr>
+              <a:t>主歟我今獻與你</a:t>
+            </a:r>
+            <a:endParaRPr lang="zh-TW" altLang="en-US" sz="6400" b="1" dirty="0">
+              <a:solidFill>
+                <a:srgbClr val="000066"/>
+              </a:solidFill>
+              <a:latin typeface="Microsoft JhengHei" panose="020B0604030504040204" pitchFamily="34" charset="-120"/>
+              <a:ea typeface="Microsoft JhengHei" panose="020B0604030504040204" pitchFamily="34" charset="-120"/>
+            </a:endParaRPr>
+          </a:p>
+        </p:txBody>
+      </p:sp>
+      <p:sp>
+        <p:nvSpPr>
+          <p:cNvPr id="3" name="TextBox 2"/>
+          <p:cNvSpPr txBox="1"/>
+          <p:nvPr/>
+        </p:nvSpPr>
+        <p:spPr>
+          <a:xfrm>
+            <a:off x="0" y="5061182"/>
+            <a:ext cx="12192000" cy="830997"/>
+          </a:xfrm>
+          <a:prstGeom prst="rect">
+            <a:avLst/>
+          </a:prstGeom>
+          <a:noFill/>
+        </p:spPr>
+        <p:txBody>
+          <a:bodyPr wrap="square" rtlCol="0">
+            <a:spAutoFit/>
+          </a:bodyPr>
+          <a:lstStyle/>
+          <a:p>
+            <a:pPr algn="ctr"/>
+            <a:r>
+              <a:rPr lang="en-US" sz="4800" b="1" dirty="0">
+                <a:solidFill>
+                  <a:srgbClr val="000066"/>
+                </a:solidFill>
+                <a:effectLst/>
+              </a:rPr>
+              <a:t>( 4 )</a:t>
+            </a:r>
+            <a:endParaRPr lang="vi-VN" sz="4800" b="1" dirty="0">
+              <a:solidFill>
+                <a:srgbClr val="000066"/>
+              </a:solidFill>
+              <a:effectLst/>
+            </a:endParaRPr>
+          </a:p>
+        </p:txBody>
+      </p:sp>
+    </p:spTree>
+    <p:extLst>
+      <p:ext uri="{BB962C8B-B14F-4D97-AF65-F5344CB8AC3E}">
+        <p14:creationId xmlns:p14="http://schemas.microsoft.com/office/powerpoint/2010/main" val="3396243062"/>
+      </p:ext>
+    </p:extLst>
+  </p:cSld>
+  <p:clrMapOvr>
+    <a:masterClrMapping/>
+  </p:clrMapOvr>
+  <p:timing>
+    <p:tnLst>
+      <p:par>
+        <p:cTn id="1" dur="indefinite" restart="never" nodeType="tmRoot"/>
+      </p:par>
+    </p:tnLst>
+  </p:timing>
+</p:sld>
+</file>
+
+<file path=ppt/slides/slide12.xml><?xml version="1.0" encoding="utf-8"?>
+<p:sld xmlns:a="http://schemas.openxmlformats.org/drawingml/2006/main" xmlns:r="http://schemas.openxmlformats.org/officeDocument/2006/relationships" xmlns:p="http://schemas.openxmlformats.org/presentationml/2006/main">
+  <p:cSld>
+    <p:spTree>
+      <p:nvGrpSpPr>
+        <p:cNvPr id="1" name=""/>
+        <p:cNvGrpSpPr/>
+        <p:nvPr/>
+      </p:nvGrpSpPr>
+      <p:grpSpPr>
+        <a:xfrm>
+          <a:off x="0" y="0"/>
+          <a:ext cx="0" cy="0"/>
+          <a:chOff x="0" y="0"/>
+          <a:chExt cx="0" cy="0"/>
+        </a:xfrm>
+      </p:grpSpPr>
+      <p:sp>
+        <p:nvSpPr>
+          <p:cNvPr id="5" name="內容版面配置區 4"/>
+          <p:cNvSpPr>
+            <a:spLocks noGrp="1"/>
+          </p:cNvSpPr>
+          <p:nvPr>
+            <p:ph idx="1"/>
+          </p:nvPr>
+        </p:nvSpPr>
+        <p:spPr>
+          <a:xfrm>
+            <a:off x="0" y="2084851"/>
+            <a:ext cx="12192000" cy="2404863"/>
+          </a:xfrm>
+        </p:spPr>
+        <p:txBody>
+          <a:bodyPr anchor="ctr">
+            <a:normAutofit/>
+          </a:bodyPr>
+          <a:lstStyle/>
+          <a:p>
+            <a:pPr marL="0" indent="0" algn="ctr">
+              <a:buNone/>
+            </a:pPr>
+            <a:r>
+              <a:rPr lang="zh-TW" altLang="en-US" sz="6400" b="1" dirty="0">
+                <a:solidFill>
+                  <a:srgbClr val="000066"/>
+                </a:solidFill>
+                <a:latin typeface="Microsoft JhengHei" panose="020B0604030504040204" pitchFamily="34" charset="-120"/>
+                <a:ea typeface="Microsoft JhengHei" panose="020B0604030504040204" pitchFamily="34" charset="-120"/>
+              </a:rPr>
+              <a:t>將信望愛充滿我心</a:t>
+            </a:r>
+          </a:p>
+          <a:p>
+            <a:pPr marL="0" indent="0" algn="ctr">
+              <a:buNone/>
+            </a:pPr>
+            <a:r>
+              <a:rPr lang="zh-TW" altLang="en-US" sz="6400" b="1" dirty="0">
+                <a:solidFill>
+                  <a:srgbClr val="000066"/>
+                </a:solidFill>
+                <a:latin typeface="Microsoft JhengHei" panose="020B0604030504040204" pitchFamily="34" charset="-120"/>
+                <a:ea typeface="Microsoft JhengHei" panose="020B0604030504040204" pitchFamily="34" charset="-120"/>
+              </a:rPr>
+              <a:t>賜我智慧與能力</a:t>
+            </a:r>
+            <a:endParaRPr lang="zh-TW" altLang="en-US" sz="6400" b="1" dirty="0">
+              <a:solidFill>
+                <a:srgbClr val="000066"/>
+              </a:solidFill>
+              <a:latin typeface="Microsoft JhengHei" panose="020B0604030504040204" pitchFamily="34" charset="-120"/>
+              <a:ea typeface="Microsoft JhengHei" panose="020B0604030504040204" pitchFamily="34" charset="-120"/>
+            </a:endParaRPr>
+          </a:p>
+        </p:txBody>
+      </p:sp>
+      <p:sp>
+        <p:nvSpPr>
+          <p:cNvPr id="3" name="TextBox 2"/>
+          <p:cNvSpPr txBox="1"/>
+          <p:nvPr/>
+        </p:nvSpPr>
+        <p:spPr>
+          <a:xfrm>
+            <a:off x="0" y="5061182"/>
+            <a:ext cx="12192000" cy="830997"/>
+          </a:xfrm>
+          <a:prstGeom prst="rect">
+            <a:avLst/>
+          </a:prstGeom>
+          <a:noFill/>
+        </p:spPr>
+        <p:txBody>
+          <a:bodyPr wrap="square" rtlCol="0">
+            <a:spAutoFit/>
+          </a:bodyPr>
+          <a:lstStyle/>
+          <a:p>
+            <a:pPr algn="ctr"/>
+            <a:r>
+              <a:rPr lang="en-US" sz="4800" b="1" dirty="0">
+                <a:solidFill>
+                  <a:srgbClr val="000066"/>
+                </a:solidFill>
+                <a:effectLst/>
+              </a:rPr>
+              <a:t>( 4 )</a:t>
+            </a:r>
+            <a:endParaRPr lang="vi-VN" sz="4800" b="1" dirty="0">
+              <a:solidFill>
+                <a:srgbClr val="000066"/>
+              </a:solidFill>
+              <a:effectLst/>
+            </a:endParaRPr>
+          </a:p>
+        </p:txBody>
+      </p:sp>
+    </p:spTree>
+    <p:extLst>
+      <p:ext uri="{BB962C8B-B14F-4D97-AF65-F5344CB8AC3E}">
+        <p14:creationId xmlns:p14="http://schemas.microsoft.com/office/powerpoint/2010/main" val="1379173813"/>
+      </p:ext>
+    </p:extLst>
+  </p:cSld>
+  <p:clrMapOvr>
+    <a:masterClrMapping/>
+  </p:clrMapOvr>
+  <p:timing>
+    <p:tnLst>
+      <p:par>
+        <p:cTn id="1" dur="indefinite" restart="never" nodeType="tmRoot"/>
+      </p:par>
+    </p:tnLst>
+  </p:timing>
+</p:sld>
+</file>
+
+<file path=ppt/slides/slide13.xml><?xml version="1.0" encoding="utf-8"?>
+<p:sld xmlns:a="http://schemas.openxmlformats.org/drawingml/2006/main" xmlns:r="http://schemas.openxmlformats.org/officeDocument/2006/relationships" xmlns:p="http://schemas.openxmlformats.org/presentationml/2006/main">
+  <p:cSld>
+    <p:spTree>
+      <p:nvGrpSpPr>
+        <p:cNvPr id="1" name=""/>
+        <p:cNvGrpSpPr/>
+        <p:nvPr/>
+      </p:nvGrpSpPr>
+      <p:grpSpPr>
+        <a:xfrm>
+          <a:off x="0" y="0"/>
+          <a:ext cx="0" cy="0"/>
+          <a:chOff x="0" y="0"/>
+          <a:chExt cx="0" cy="0"/>
+        </a:xfrm>
+      </p:grpSpPr>
+      <p:sp>
+        <p:nvSpPr>
+          <p:cNvPr id="5" name="內容版面配置區 4"/>
+          <p:cNvSpPr>
+            <a:spLocks noGrp="1"/>
+          </p:cNvSpPr>
+          <p:nvPr>
+            <p:ph idx="1"/>
+          </p:nvPr>
+        </p:nvSpPr>
+        <p:spPr>
+          <a:xfrm>
+            <a:off x="0" y="2084851"/>
+            <a:ext cx="12192000" cy="2404863"/>
+          </a:xfrm>
+        </p:spPr>
+        <p:txBody>
+          <a:bodyPr anchor="ctr">
+            <a:normAutofit/>
+          </a:bodyPr>
+          <a:lstStyle/>
+          <a:p>
+            <a:pPr marL="0" indent="0" algn="ctr">
+              <a:buNone/>
+            </a:pPr>
+            <a:r>
+              <a:rPr lang="zh-TW" altLang="en-US" sz="6400" b="1" dirty="0">
+                <a:solidFill>
+                  <a:srgbClr val="000066"/>
+                </a:solidFill>
+                <a:latin typeface="Microsoft JhengHei" panose="020B0604030504040204" pitchFamily="34" charset="-120"/>
+                <a:ea typeface="Microsoft JhengHei" panose="020B0604030504040204" pitchFamily="34" charset="-120"/>
+              </a:rPr>
+              <a:t>全所有奉獻  全所有奉獻</a:t>
+            </a:r>
+          </a:p>
+          <a:p>
+            <a:pPr marL="0" indent="0" algn="ctr">
+              <a:buNone/>
+            </a:pPr>
+            <a:r>
+              <a:rPr lang="zh-TW" altLang="en-US" sz="6400" b="1" dirty="0">
+                <a:solidFill>
+                  <a:srgbClr val="000066"/>
+                </a:solidFill>
+                <a:latin typeface="Microsoft JhengHei" panose="020B0604030504040204" pitchFamily="34" charset="-120"/>
+                <a:ea typeface="Microsoft JhengHei" panose="020B0604030504040204" pitchFamily="34" charset="-120"/>
+              </a:rPr>
+              <a:t>獻與愛我尊貴救主  全所有奉獻 </a:t>
+            </a:r>
+            <a:endParaRPr lang="zh-TW" altLang="en-US" sz="6400" b="1" dirty="0">
+              <a:solidFill>
+                <a:srgbClr val="000066"/>
+              </a:solidFill>
+              <a:latin typeface="Microsoft JhengHei" panose="020B0604030504040204" pitchFamily="34" charset="-120"/>
+              <a:ea typeface="Microsoft JhengHei" panose="020B0604030504040204" pitchFamily="34" charset="-120"/>
+            </a:endParaRPr>
+          </a:p>
+        </p:txBody>
+      </p:sp>
+    </p:spTree>
+    <p:extLst>
+      <p:ext uri="{BB962C8B-B14F-4D97-AF65-F5344CB8AC3E}">
+        <p14:creationId xmlns:p14="http://schemas.microsoft.com/office/powerpoint/2010/main" val="1419262230"/>
+      </p:ext>
+    </p:extLst>
+  </p:cSld>
+  <p:clrMapOvr>
+    <a:masterClrMapping/>
+  </p:clrMapOvr>
+  <p:timing>
+    <p:tnLst>
+      <p:par>
+        <p:cTn id="1" dur="indefinite" restart="never" nodeType="tmRoot"/>
+      </p:par>
+    </p:tnLst>
+  </p:timing>
+</p:sld>
+</file>
+
+<file path=ppt/slides/slide14.xml><?xml version="1.0" encoding="utf-8"?>
+<p:sld xmlns:a="http://schemas.openxmlformats.org/drawingml/2006/main" xmlns:r="http://schemas.openxmlformats.org/officeDocument/2006/relationships" xmlns:p="http://schemas.openxmlformats.org/presentationml/2006/main">
+  <p:cSld>
+    <p:spTree>
+      <p:nvGrpSpPr>
+        <p:cNvPr id="1" name=""/>
+        <p:cNvGrpSpPr/>
+        <p:nvPr/>
+      </p:nvGrpSpPr>
+      <p:grpSpPr>
+        <a:xfrm>
+          <a:off x="0" y="0"/>
+          <a:ext cx="0" cy="0"/>
+          <a:chOff x="0" y="0"/>
+          <a:chExt cx="0" cy="0"/>
+        </a:xfrm>
+      </p:grpSpPr>
+      <p:sp>
+        <p:nvSpPr>
+          <p:cNvPr id="5" name="內容版面配置區 4"/>
+          <p:cNvSpPr>
+            <a:spLocks noGrp="1"/>
+          </p:cNvSpPr>
+          <p:nvPr>
+            <p:ph idx="1"/>
+          </p:nvPr>
+        </p:nvSpPr>
+        <p:spPr>
+          <a:xfrm>
+            <a:off x="0" y="2084851"/>
+            <a:ext cx="12192000" cy="2404863"/>
+          </a:xfrm>
+        </p:spPr>
+        <p:txBody>
+          <a:bodyPr anchor="ctr">
+            <a:normAutofit/>
+          </a:bodyPr>
+          <a:lstStyle/>
+          <a:p>
+            <a:pPr marL="0" indent="0" algn="ctr">
+              <a:buNone/>
+            </a:pPr>
+            <a:r>
+              <a:rPr lang="zh-TW" altLang="en-US" sz="6400" b="1" dirty="0">
+                <a:solidFill>
+                  <a:srgbClr val="000066"/>
+                </a:solidFill>
+                <a:latin typeface="Microsoft JhengHei" panose="020B0604030504040204" pitchFamily="34" charset="-120"/>
+                <a:ea typeface="Microsoft JhengHei" panose="020B0604030504040204" pitchFamily="34" charset="-120"/>
+              </a:rPr>
+              <a:t>全所有我獻與耶穌</a:t>
+            </a:r>
+          </a:p>
+          <a:p>
+            <a:pPr marL="0" indent="0" algn="ctr">
+              <a:buNone/>
+            </a:pPr>
+            <a:r>
+              <a:rPr lang="zh-TW" altLang="en-US" sz="6400" b="1" dirty="0">
+                <a:solidFill>
+                  <a:srgbClr val="000066"/>
+                </a:solidFill>
+                <a:latin typeface="Microsoft JhengHei" panose="020B0604030504040204" pitchFamily="34" charset="-120"/>
+                <a:ea typeface="Microsoft JhengHei" panose="020B0604030504040204" pitchFamily="34" charset="-120"/>
+              </a:rPr>
+              <a:t>靈魂身體都潔清</a:t>
+            </a:r>
+            <a:endParaRPr lang="zh-TW" altLang="en-US" sz="6400" b="1" dirty="0">
+              <a:solidFill>
+                <a:srgbClr val="000066"/>
+              </a:solidFill>
+              <a:latin typeface="Microsoft JhengHei" panose="020B0604030504040204" pitchFamily="34" charset="-120"/>
+              <a:ea typeface="Microsoft JhengHei" panose="020B0604030504040204" pitchFamily="34" charset="-120"/>
+            </a:endParaRPr>
+          </a:p>
+        </p:txBody>
+      </p:sp>
+      <p:sp>
+        <p:nvSpPr>
+          <p:cNvPr id="3" name="TextBox 2"/>
+          <p:cNvSpPr txBox="1"/>
+          <p:nvPr/>
+        </p:nvSpPr>
+        <p:spPr>
+          <a:xfrm>
+            <a:off x="0" y="5061182"/>
+            <a:ext cx="12192000" cy="830997"/>
+          </a:xfrm>
+          <a:prstGeom prst="rect">
+            <a:avLst/>
+          </a:prstGeom>
+          <a:noFill/>
+        </p:spPr>
+        <p:txBody>
+          <a:bodyPr wrap="square" rtlCol="0">
+            <a:spAutoFit/>
+          </a:bodyPr>
+          <a:lstStyle/>
+          <a:p>
+            <a:pPr algn="ctr"/>
+            <a:r>
+              <a:rPr lang="en-US" sz="4800" b="1" dirty="0">
+                <a:solidFill>
+                  <a:srgbClr val="000066"/>
+                </a:solidFill>
+                <a:effectLst/>
+              </a:rPr>
+              <a:t>( 5 )</a:t>
+            </a:r>
+            <a:endParaRPr lang="vi-VN" sz="4800" b="1" dirty="0">
+              <a:solidFill>
+                <a:srgbClr val="000066"/>
+              </a:solidFill>
+              <a:effectLst/>
+            </a:endParaRPr>
+          </a:p>
+        </p:txBody>
+      </p:sp>
+    </p:spTree>
+    <p:extLst>
+      <p:ext uri="{BB962C8B-B14F-4D97-AF65-F5344CB8AC3E}">
+        <p14:creationId xmlns:p14="http://schemas.microsoft.com/office/powerpoint/2010/main" val="2020735504"/>
+      </p:ext>
+    </p:extLst>
+  </p:cSld>
+  <p:clrMapOvr>
+    <a:masterClrMapping/>
+  </p:clrMapOvr>
+  <p:timing>
+    <p:tnLst>
+      <p:par>
+        <p:cTn id="1" dur="indefinite" restart="never" nodeType="tmRoot"/>
+      </p:par>
+    </p:tnLst>
+  </p:timing>
+</p:sld>
+</file>
+
+<file path=ppt/slides/slide15.xml><?xml version="1.0" encoding="utf-8"?>
+<p:sld xmlns:a="http://schemas.openxmlformats.org/drawingml/2006/main" xmlns:r="http://schemas.openxmlformats.org/officeDocument/2006/relationships" xmlns:p="http://schemas.openxmlformats.org/presentationml/2006/main">
+  <p:cSld>
+    <p:spTree>
+      <p:nvGrpSpPr>
+        <p:cNvPr id="1" name=""/>
+        <p:cNvGrpSpPr/>
+        <p:nvPr/>
+      </p:nvGrpSpPr>
+      <p:grpSpPr>
+        <a:xfrm>
+          <a:off x="0" y="0"/>
+          <a:ext cx="0" cy="0"/>
+          <a:chOff x="0" y="0"/>
+          <a:chExt cx="0" cy="0"/>
+        </a:xfrm>
+      </p:grpSpPr>
+      <p:sp>
+        <p:nvSpPr>
+          <p:cNvPr id="5" name="內容版面配置區 4"/>
+          <p:cNvSpPr>
+            <a:spLocks noGrp="1"/>
+          </p:cNvSpPr>
+          <p:nvPr>
+            <p:ph idx="1"/>
+          </p:nvPr>
+        </p:nvSpPr>
+        <p:spPr>
+          <a:xfrm>
+            <a:off x="0" y="2084851"/>
+            <a:ext cx="12192000" cy="2404863"/>
+          </a:xfrm>
+        </p:spPr>
+        <p:txBody>
+          <a:bodyPr anchor="ctr">
+            <a:normAutofit/>
+          </a:bodyPr>
+          <a:lstStyle/>
+          <a:p>
+            <a:pPr marL="0" indent="0" algn="ctr">
+              <a:buNone/>
+            </a:pPr>
+            <a:r>
+              <a:rPr lang="zh-TW" altLang="en-US" sz="6400" b="1" dirty="0">
+                <a:solidFill>
+                  <a:srgbClr val="000066"/>
+                </a:solidFill>
+                <a:latin typeface="Microsoft JhengHei" panose="020B0604030504040204" pitchFamily="34" charset="-120"/>
+                <a:ea typeface="Microsoft JhengHei" panose="020B0604030504040204" pitchFamily="34" charset="-120"/>
+              </a:rPr>
+              <a:t>救恩喜樂何等光榮</a:t>
+            </a:r>
+          </a:p>
+          <a:p>
+            <a:pPr marL="0" indent="0" algn="ctr">
+              <a:buNone/>
+            </a:pPr>
+            <a:r>
+              <a:rPr lang="zh-TW" altLang="en-US" sz="6400" b="1" dirty="0">
+                <a:solidFill>
+                  <a:srgbClr val="000066"/>
+                </a:solidFill>
+                <a:latin typeface="Microsoft JhengHei" panose="020B0604030504040204" pitchFamily="34" charset="-120"/>
+                <a:ea typeface="Microsoft JhengHei" panose="020B0604030504040204" pitchFamily="34" charset="-120"/>
+              </a:rPr>
+              <a:t>榮耀榮耀歸主名</a:t>
+            </a:r>
+            <a:endParaRPr lang="zh-TW" altLang="en-US" sz="6400" b="1" dirty="0">
+              <a:solidFill>
+                <a:srgbClr val="000066"/>
+              </a:solidFill>
+              <a:latin typeface="Microsoft JhengHei" panose="020B0604030504040204" pitchFamily="34" charset="-120"/>
+              <a:ea typeface="Microsoft JhengHei" panose="020B0604030504040204" pitchFamily="34" charset="-120"/>
+            </a:endParaRPr>
+          </a:p>
+        </p:txBody>
+      </p:sp>
+      <p:sp>
+        <p:nvSpPr>
+          <p:cNvPr id="3" name="TextBox 2"/>
+          <p:cNvSpPr txBox="1"/>
+          <p:nvPr/>
+        </p:nvSpPr>
+        <p:spPr>
+          <a:xfrm>
+            <a:off x="0" y="5061182"/>
+            <a:ext cx="12192000" cy="830997"/>
+          </a:xfrm>
+          <a:prstGeom prst="rect">
+            <a:avLst/>
+          </a:prstGeom>
+          <a:noFill/>
+        </p:spPr>
+        <p:txBody>
+          <a:bodyPr wrap="square" rtlCol="0">
+            <a:spAutoFit/>
+          </a:bodyPr>
+          <a:lstStyle/>
+          <a:p>
+            <a:pPr algn="ctr"/>
+            <a:r>
+              <a:rPr lang="en-US" sz="4800" b="1" dirty="0">
+                <a:solidFill>
+                  <a:srgbClr val="000066"/>
+                </a:solidFill>
+                <a:effectLst/>
+              </a:rPr>
+              <a:t>( 5 )</a:t>
+            </a:r>
+            <a:endParaRPr lang="vi-VN" sz="4800" b="1" dirty="0">
+              <a:solidFill>
+                <a:srgbClr val="000066"/>
+              </a:solidFill>
+              <a:effectLst/>
+            </a:endParaRPr>
+          </a:p>
+        </p:txBody>
+      </p:sp>
+    </p:spTree>
+    <p:extLst>
+      <p:ext uri="{BB962C8B-B14F-4D97-AF65-F5344CB8AC3E}">
+        <p14:creationId xmlns:p14="http://schemas.microsoft.com/office/powerpoint/2010/main" val="1808537488"/>
+      </p:ext>
+    </p:extLst>
+  </p:cSld>
+  <p:clrMapOvr>
+    <a:masterClrMapping/>
+  </p:clrMapOvr>
+  <p:timing>
+    <p:tnLst>
+      <p:par>
+        <p:cTn id="1" dur="indefinite" restart="never" nodeType="tmRoot"/>
+      </p:par>
+    </p:tnLst>
+  </p:timing>
+</p:sld>
+</file>
+
+<file path=ppt/slides/slide16.xml><?xml version="1.0" encoding="utf-8"?>
+<p:sld xmlns:a="http://schemas.openxmlformats.org/drawingml/2006/main" xmlns:r="http://schemas.openxmlformats.org/officeDocument/2006/relationships" xmlns:p="http://schemas.openxmlformats.org/presentationml/2006/main">
+  <p:cSld>
+    <p:spTree>
+      <p:nvGrpSpPr>
+        <p:cNvPr id="1" name=""/>
+        <p:cNvGrpSpPr/>
+        <p:nvPr/>
+      </p:nvGrpSpPr>
+      <p:grpSpPr>
+        <a:xfrm>
+          <a:off x="0" y="0"/>
+          <a:ext cx="0" cy="0"/>
+          <a:chOff x="0" y="0"/>
+          <a:chExt cx="0" cy="0"/>
+        </a:xfrm>
+      </p:grpSpPr>
+      <p:sp>
+        <p:nvSpPr>
+          <p:cNvPr id="5" name="內容版面配置區 4"/>
+          <p:cNvSpPr>
+            <a:spLocks noGrp="1"/>
+          </p:cNvSpPr>
+          <p:nvPr>
+            <p:ph idx="1"/>
+          </p:nvPr>
+        </p:nvSpPr>
+        <p:spPr>
+          <a:xfrm>
+            <a:off x="0" y="2084851"/>
+            <a:ext cx="12192000" cy="2404863"/>
+          </a:xfrm>
+        </p:spPr>
+        <p:txBody>
+          <a:bodyPr anchor="ctr">
+            <a:normAutofit/>
+          </a:bodyPr>
+          <a:lstStyle/>
+          <a:p>
+            <a:pPr marL="0" indent="0" algn="ctr">
+              <a:buNone/>
+            </a:pPr>
+            <a:r>
+              <a:rPr lang="zh-TW" altLang="en-US" sz="6400" b="1" dirty="0">
+                <a:solidFill>
+                  <a:srgbClr val="000066"/>
+                </a:solidFill>
+                <a:latin typeface="Microsoft JhengHei" panose="020B0604030504040204" pitchFamily="34" charset="-120"/>
+                <a:ea typeface="Microsoft JhengHei" panose="020B0604030504040204" pitchFamily="34" charset="-120"/>
+              </a:rPr>
+              <a:t>全所有奉獻  全所有奉獻</a:t>
+            </a:r>
+          </a:p>
+          <a:p>
+            <a:pPr marL="0" indent="0" algn="ctr">
+              <a:buNone/>
+            </a:pPr>
+            <a:r>
+              <a:rPr lang="zh-TW" altLang="en-US" sz="6400" b="1" dirty="0">
+                <a:solidFill>
+                  <a:srgbClr val="000066"/>
+                </a:solidFill>
+                <a:latin typeface="Microsoft JhengHei" panose="020B0604030504040204" pitchFamily="34" charset="-120"/>
+                <a:ea typeface="Microsoft JhengHei" panose="020B0604030504040204" pitchFamily="34" charset="-120"/>
+              </a:rPr>
+              <a:t>獻與愛我尊貴救主  全所有奉獻 </a:t>
+            </a:r>
+            <a:endParaRPr lang="zh-TW" altLang="en-US" sz="6400" b="1" dirty="0">
+              <a:solidFill>
+                <a:srgbClr val="000066"/>
+              </a:solidFill>
+              <a:latin typeface="Microsoft JhengHei" panose="020B0604030504040204" pitchFamily="34" charset="-120"/>
+              <a:ea typeface="Microsoft JhengHei" panose="020B0604030504040204" pitchFamily="34" charset="-120"/>
+            </a:endParaRPr>
+          </a:p>
+        </p:txBody>
+      </p:sp>
+    </p:spTree>
+    <p:extLst>
+      <p:ext uri="{BB962C8B-B14F-4D97-AF65-F5344CB8AC3E}">
+        <p14:creationId xmlns:p14="http://schemas.microsoft.com/office/powerpoint/2010/main" val="1036733643"/>
+      </p:ext>
+    </p:extLst>
+  </p:cSld>
+  <p:clrMapOvr>
+    <a:masterClrMapping/>
+  </p:clrMapOvr>
+  <p:timing>
+    <p:tnLst>
+      <p:par>
+        <p:cTn id="1" dur="indefinite" restart="never" nodeType="tmRoot"/>
+      </p:par>
+    </p:tnLst>
+  </p:timing>
 </p:sld>
 </file>
 
@@ -4094,54 +4752,57 @@
       </p:grpSpPr>
       <p:sp>
         <p:nvSpPr>
-          <p:cNvPr id="4" name="Title 3"/>
-          <p:cNvSpPr>
-            <a:spLocks noGrp="1"/>
-          </p:cNvSpPr>
-          <p:nvPr>
-            <p:ph type="title"/>
-          </p:nvPr>
-        </p:nvSpPr>
-        <p:spPr/>
-        <p:txBody>
-          <a:bodyPr>
+          <p:cNvPr id="5" name="內容版面配置區 4"/>
+          <p:cNvSpPr>
+            <a:spLocks noGrp="1"/>
+          </p:cNvSpPr>
+          <p:nvPr>
+            <p:ph idx="1"/>
+          </p:nvPr>
+        </p:nvSpPr>
+        <p:spPr>
+          <a:xfrm>
+            <a:off x="0" y="2084851"/>
+            <a:ext cx="12192000" cy="2404863"/>
+          </a:xfrm>
+        </p:spPr>
+        <p:txBody>
+          <a:bodyPr anchor="ctr">
             <a:normAutofit/>
           </a:bodyPr>
           <a:lstStyle/>
           <a:p>
-            <a:r>
-              <a:rPr lang="en-US" altLang="zh-CN" sz="4800" b="1" dirty="0">
-                <a:solidFill>
-                  <a:srgbClr val="002060"/>
+            <a:pPr marL="0" indent="0" algn="ctr">
+              <a:buNone/>
+            </a:pPr>
+            <a:r>
+              <a:rPr lang="zh-TW" altLang="en-US" sz="6400" b="1" dirty="0">
+                <a:solidFill>
+                  <a:srgbClr val="000066"/>
                 </a:solidFill>
                 <a:latin typeface="Microsoft JhengHei" panose="020B0604030504040204" pitchFamily="34" charset="-120"/>
                 <a:ea typeface="Microsoft JhengHei" panose="020B0604030504040204" pitchFamily="34" charset="-120"/>
               </a:rPr>
-              <a:t>【</a:t>
-            </a:r>
-            <a:r>
-              <a:rPr lang="zh-CN" altLang="en-US" sz="4800" b="1" dirty="0">
-                <a:solidFill>
-                  <a:srgbClr val="002060"/>
+              <a:t>全所有我獻與耶穌</a:t>
+            </a:r>
+          </a:p>
+          <a:p>
+            <a:pPr marL="0" indent="0" algn="ctr">
+              <a:buNone/>
+            </a:pPr>
+            <a:r>
+              <a:rPr lang="zh-TW" altLang="en-US" sz="6400" b="1" dirty="0">
+                <a:solidFill>
+                  <a:srgbClr val="000066"/>
                 </a:solidFill>
                 <a:latin typeface="Microsoft JhengHei" panose="020B0604030504040204" pitchFamily="34" charset="-120"/>
                 <a:ea typeface="Microsoft JhengHei" panose="020B0604030504040204" pitchFamily="34" charset="-120"/>
               </a:rPr>
-              <a:t>完全奉獻</a:t>
-            </a:r>
-            <a:r>
-              <a:rPr lang="en-US" altLang="zh-CN" sz="4800" b="1" dirty="0">
-                <a:solidFill>
-                  <a:srgbClr val="002060"/>
-                </a:solidFill>
-                <a:latin typeface="Microsoft JhengHei" panose="020B0604030504040204" pitchFamily="34" charset="-120"/>
-                <a:ea typeface="Microsoft JhengHei" panose="020B0604030504040204" pitchFamily="34" charset="-120"/>
-              </a:rPr>
-              <a:t>】</a:t>
-            </a:r>
-            <a:endParaRPr lang="zh-CN" altLang="en-US" sz="4800" b="1" dirty="0">
+              <a:t>全所有我歡喜獻</a:t>
+            </a:r>
+            <a:endParaRPr lang="zh-TW" altLang="en-US" sz="6400" b="1" dirty="0">
               <a:solidFill>
-                <a:srgbClr val="002060"/>
+                <a:srgbClr val="000066"/>
               </a:solidFill>
               <a:latin typeface="Microsoft JhengHei" panose="020B0604030504040204" pitchFamily="34" charset="-120"/>
               <a:ea typeface="Microsoft JhengHei" panose="020B0604030504040204" pitchFamily="34" charset="-120"/>
@@ -4151,92 +4812,62 @@
       </p:sp>
       <p:sp>
         <p:nvSpPr>
-          <p:cNvPr id="5" name="Content Placeholder 4"/>
-          <p:cNvSpPr>
-            <a:spLocks noGrp="1"/>
-          </p:cNvSpPr>
-          <p:nvPr>
-            <p:ph idx="1"/>
-          </p:nvPr>
-        </p:nvSpPr>
-        <p:spPr/>
-        <p:txBody>
-          <a:bodyPr>
-            <a:normAutofit/>
+          <p:cNvPr id="3" name="TextBox 2"/>
+          <p:cNvSpPr txBox="1"/>
+          <p:nvPr/>
+        </p:nvSpPr>
+        <p:spPr>
+          <a:xfrm>
+            <a:off x="0" y="5061182"/>
+            <a:ext cx="12192000" cy="830997"/>
+          </a:xfrm>
+          <a:prstGeom prst="rect">
+            <a:avLst/>
+          </a:prstGeom>
+          <a:noFill/>
+        </p:spPr>
+        <p:txBody>
+          <a:bodyPr wrap="square" rtlCol="0">
+            <a:spAutoFit/>
           </a:bodyPr>
           <a:lstStyle/>
           <a:p>
-            <a:pPr marL="0" indent="0" algn="ctr">
-              <a:buNone/>
-            </a:pPr>
-            <a:r>
-              <a:rPr lang="zh-TW" altLang="en-US" sz="5400" b="1" dirty="0">
-                <a:solidFill>
-                  <a:srgbClr val="002060"/>
-                </a:solidFill>
-                <a:latin typeface="Microsoft JhengHei" panose="020B0604030504040204" pitchFamily="34" charset="-120"/>
-                <a:ea typeface="Microsoft JhengHei" panose="020B0604030504040204" pitchFamily="34" charset="-120"/>
+            <a:pPr algn="ctr"/>
+            <a:r>
+              <a:rPr lang="en-US" sz="4800" b="1" dirty="0">
+                <a:solidFill>
+                  <a:srgbClr val="000066"/>
+                </a:solidFill>
+                <a:effectLst/>
               </a:rPr>
-              <a:t>全所有奉獻</a:t>
-            </a:r>
-          </a:p>
-          <a:p>
-            <a:pPr marL="0" indent="0" algn="ctr">
-              <a:buNone/>
-            </a:pPr>
-            <a:r>
-              <a:rPr lang="zh-TW" altLang="en-US" sz="5400" b="1" dirty="0">
-                <a:solidFill>
-                  <a:srgbClr val="002060"/>
-                </a:solidFill>
-                <a:latin typeface="Microsoft JhengHei" panose="020B0604030504040204" pitchFamily="34" charset="-120"/>
-                <a:ea typeface="Microsoft JhengHei" panose="020B0604030504040204" pitchFamily="34" charset="-120"/>
-              </a:rPr>
-              <a:t>全所有奉獻</a:t>
-            </a:r>
-          </a:p>
-          <a:p>
-            <a:pPr marL="0" indent="0" algn="ctr">
-              <a:buNone/>
-            </a:pPr>
-            <a:r>
-              <a:rPr lang="zh-TW" altLang="en-US" sz="5400" b="1" dirty="0">
-                <a:solidFill>
-                  <a:srgbClr val="002060"/>
-                </a:solidFill>
-                <a:latin typeface="Microsoft JhengHei" panose="020B0604030504040204" pitchFamily="34" charset="-120"/>
-                <a:ea typeface="Microsoft JhengHei" panose="020B0604030504040204" pitchFamily="34" charset="-120"/>
-              </a:rPr>
-              <a:t>獻與愛我尊貴救主</a:t>
-            </a:r>
-          </a:p>
-          <a:p>
-            <a:pPr marL="0" indent="0" algn="ctr">
-              <a:buNone/>
-            </a:pPr>
-            <a:r>
-              <a:rPr lang="zh-TW" altLang="en-US" sz="5400" b="1" dirty="0">
-                <a:solidFill>
-                  <a:srgbClr val="002060"/>
-                </a:solidFill>
-                <a:latin typeface="Microsoft JhengHei" panose="020B0604030504040204" pitchFamily="34" charset="-120"/>
-                <a:ea typeface="Microsoft JhengHei" panose="020B0604030504040204" pitchFamily="34" charset="-120"/>
-              </a:rPr>
-              <a:t>全所有奉獻 </a:t>
-            </a:r>
+              <a:t>( 1 )</a:t>
+            </a:r>
+            <a:endParaRPr lang="vi-VN" sz="4800" b="1" dirty="0">
+              <a:solidFill>
+                <a:srgbClr val="000066"/>
+              </a:solidFill>
+              <a:effectLst/>
+            </a:endParaRPr>
           </a:p>
         </p:txBody>
       </p:sp>
     </p:spTree>
     <p:extLst>
       <p:ext uri="{BB962C8B-B14F-4D97-AF65-F5344CB8AC3E}">
-        <p14:creationId xmlns:p14="http://schemas.microsoft.com/office/powerpoint/2010/main" val="2070351992"/>
+        <p14:creationId xmlns:p14="http://schemas.microsoft.com/office/powerpoint/2010/main" val="3623446027"/>
       </p:ext>
     </p:extLst>
   </p:cSld>
   <p:clrMapOvr>
     <a:masterClrMapping/>
   </p:clrMapOvr>
+  <p:timing>
+    <p:tnLst>
+      <p:par>
+        <p:cTn id="1" dur="indefinite" restart="never" nodeType="tmRoot"/>
+      </p:par>
+    </p:tnLst>
+  </p:timing>
 </p:sld>
 </file>
 
@@ -4259,54 +4890,57 @@
       </p:grpSpPr>
       <p:sp>
         <p:nvSpPr>
-          <p:cNvPr id="4" name="Title 3"/>
-          <p:cNvSpPr>
-            <a:spLocks noGrp="1"/>
-          </p:cNvSpPr>
-          <p:nvPr>
-            <p:ph type="title"/>
-          </p:nvPr>
-        </p:nvSpPr>
-        <p:spPr/>
-        <p:txBody>
-          <a:bodyPr>
+          <p:cNvPr id="5" name="內容版面配置區 4"/>
+          <p:cNvSpPr>
+            <a:spLocks noGrp="1"/>
+          </p:cNvSpPr>
+          <p:nvPr>
+            <p:ph idx="1"/>
+          </p:nvPr>
+        </p:nvSpPr>
+        <p:spPr>
+          <a:xfrm>
+            <a:off x="0" y="2084851"/>
+            <a:ext cx="12192000" cy="2404863"/>
+          </a:xfrm>
+        </p:spPr>
+        <p:txBody>
+          <a:bodyPr anchor="ctr">
             <a:normAutofit/>
           </a:bodyPr>
           <a:lstStyle/>
           <a:p>
-            <a:r>
-              <a:rPr lang="en-US" altLang="zh-CN" sz="4800" b="1" dirty="0">
-                <a:solidFill>
-                  <a:srgbClr val="002060"/>
+            <a:pPr marL="0" indent="0" algn="ctr">
+              <a:buNone/>
+            </a:pPr>
+            <a:r>
+              <a:rPr lang="zh-TW" altLang="en-US" sz="6400" b="1" dirty="0">
+                <a:solidFill>
+                  <a:srgbClr val="000066"/>
                 </a:solidFill>
                 <a:latin typeface="Microsoft JhengHei" panose="020B0604030504040204" pitchFamily="34" charset="-120"/>
                 <a:ea typeface="Microsoft JhengHei" panose="020B0604030504040204" pitchFamily="34" charset="-120"/>
               </a:rPr>
-              <a:t>【</a:t>
-            </a:r>
-            <a:r>
-              <a:rPr lang="zh-CN" altLang="en-US" sz="4800" b="1" dirty="0">
-                <a:solidFill>
-                  <a:srgbClr val="002060"/>
+              <a:t>我要時常愛主靠主</a:t>
+            </a:r>
+          </a:p>
+          <a:p>
+            <a:pPr marL="0" indent="0" algn="ctr">
+              <a:buNone/>
+            </a:pPr>
+            <a:r>
+              <a:rPr lang="zh-TW" altLang="en-US" sz="6400" b="1" dirty="0">
+                <a:solidFill>
+                  <a:srgbClr val="000066"/>
                 </a:solidFill>
                 <a:latin typeface="Microsoft JhengHei" panose="020B0604030504040204" pitchFamily="34" charset="-120"/>
                 <a:ea typeface="Microsoft JhengHei" panose="020B0604030504040204" pitchFamily="34" charset="-120"/>
               </a:rPr>
-              <a:t>完全奉獻</a:t>
-            </a:r>
-            <a:r>
-              <a:rPr lang="en-US" altLang="zh-CN" sz="4800" b="1" dirty="0">
-                <a:solidFill>
-                  <a:srgbClr val="002060"/>
-                </a:solidFill>
-                <a:latin typeface="Microsoft JhengHei" panose="020B0604030504040204" pitchFamily="34" charset="-120"/>
-                <a:ea typeface="Microsoft JhengHei" panose="020B0604030504040204" pitchFamily="34" charset="-120"/>
-              </a:rPr>
-              <a:t>】</a:t>
-            </a:r>
-            <a:endParaRPr lang="zh-CN" altLang="en-US" sz="4800" b="1" dirty="0">
+              <a:t>與主相親至永遠</a:t>
+            </a:r>
+            <a:endParaRPr lang="zh-TW" altLang="en-US" sz="6400" b="1" dirty="0">
               <a:solidFill>
-                <a:srgbClr val="002060"/>
+                <a:srgbClr val="000066"/>
               </a:solidFill>
               <a:latin typeface="Microsoft JhengHei" panose="020B0604030504040204" pitchFamily="34" charset="-120"/>
               <a:ea typeface="Microsoft JhengHei" panose="020B0604030504040204" pitchFamily="34" charset="-120"/>
@@ -4316,129 +4950,41 @@
       </p:sp>
       <p:sp>
         <p:nvSpPr>
-          <p:cNvPr id="5" name="Content Placeholder 4"/>
-          <p:cNvSpPr>
-            <a:spLocks noGrp="1"/>
-          </p:cNvSpPr>
-          <p:nvPr>
-            <p:ph idx="1"/>
-          </p:nvPr>
-        </p:nvSpPr>
-        <p:spPr/>
-        <p:txBody>
-          <a:bodyPr>
-            <a:normAutofit/>
-          </a:bodyPr>
-          <a:lstStyle/>
-          <a:p>
-            <a:pPr marL="0" indent="0" algn="ctr">
-              <a:buNone/>
-            </a:pPr>
-            <a:r>
-              <a:rPr lang="zh-TW" altLang="en-US" sz="5400" b="1" dirty="0">
-                <a:solidFill>
-                  <a:srgbClr val="002060"/>
-                </a:solidFill>
-                <a:latin typeface="Microsoft JhengHei" panose="020B0604030504040204" pitchFamily="34" charset="-120"/>
-                <a:ea typeface="Microsoft JhengHei" panose="020B0604030504040204" pitchFamily="34" charset="-120"/>
-              </a:rPr>
-              <a:t>全所有 我獻與耶穌</a:t>
-            </a:r>
-          </a:p>
-          <a:p>
-            <a:pPr marL="0" indent="0" algn="ctr">
-              <a:buNone/>
-            </a:pPr>
-            <a:r>
-              <a:rPr lang="zh-TW" altLang="en-US" sz="5400" b="1" dirty="0">
-                <a:solidFill>
-                  <a:srgbClr val="002060"/>
-                </a:solidFill>
-                <a:latin typeface="Microsoft JhengHei" panose="020B0604030504040204" pitchFamily="34" charset="-120"/>
-                <a:ea typeface="Microsoft JhengHei" panose="020B0604030504040204" pitchFamily="34" charset="-120"/>
-              </a:rPr>
-              <a:t>主的腳下我歸依</a:t>
-            </a:r>
-          </a:p>
-          <a:p>
-            <a:pPr marL="0" indent="0" algn="ctr">
-              <a:buNone/>
-            </a:pPr>
-            <a:r>
-              <a:rPr lang="zh-TW" altLang="en-US" sz="5400" b="1" dirty="0">
-                <a:solidFill>
-                  <a:srgbClr val="002060"/>
-                </a:solidFill>
-                <a:latin typeface="Microsoft JhengHei" panose="020B0604030504040204" pitchFamily="34" charset="-120"/>
-                <a:ea typeface="Microsoft JhengHei" panose="020B0604030504040204" pitchFamily="34" charset="-120"/>
-              </a:rPr>
-              <a:t>世界快樂甘願撇棄</a:t>
-            </a:r>
-          </a:p>
-          <a:p>
-            <a:pPr marL="0" indent="0" algn="ctr">
-              <a:buNone/>
-            </a:pPr>
-            <a:r>
-              <a:rPr lang="zh-TW" altLang="en-US" sz="5400" b="1" dirty="0">
-                <a:solidFill>
-                  <a:srgbClr val="002060"/>
-                </a:solidFill>
-                <a:latin typeface="Microsoft JhengHei" panose="020B0604030504040204" pitchFamily="34" charset="-120"/>
-                <a:ea typeface="Microsoft JhengHei" panose="020B0604030504040204" pitchFamily="34" charset="-120"/>
-              </a:rPr>
-              <a:t>求主收我於現時</a:t>
-            </a:r>
-          </a:p>
-        </p:txBody>
-      </p:sp>
-      <p:sp>
-        <p:nvSpPr>
-          <p:cNvPr id="6" name="Text Box 1"/>
+          <p:cNvPr id="3" name="TextBox 2"/>
           <p:cNvSpPr txBox="1"/>
           <p:nvPr/>
         </p:nvSpPr>
         <p:spPr>
           <a:xfrm>
-            <a:off x="1415480" y="1700808"/>
-            <a:ext cx="911424" cy="923330"/>
+            <a:off x="0" y="5061182"/>
+            <a:ext cx="12192000" cy="830997"/>
           </a:xfrm>
           <a:prstGeom prst="rect">
             <a:avLst/>
           </a:prstGeom>
           <a:noFill/>
-          <a:ln w="9525">
-            <a:noFill/>
-            <a:miter lim="800000"/>
-          </a:ln>
         </p:spPr>
         <p:txBody>
-          <a:bodyPr wrap="square">
+          <a:bodyPr wrap="square" rtlCol="0">
             <a:spAutoFit/>
           </a:bodyPr>
           <a:lstStyle/>
           <a:p>
             <a:pPr algn="ctr"/>
             <a:r>
-              <a:rPr lang="en-US" sz="5400" b="1" dirty="0">
-                <a:solidFill>
-                  <a:srgbClr val="002060"/>
-                </a:solidFill>
+              <a:rPr lang="en-US" sz="4800" b="1" dirty="0">
+                <a:solidFill>
+                  <a:srgbClr val="000066"/>
+                </a:solidFill>
+                <a:effectLst/>
               </a:rPr>
-              <a:t>2</a:t>
-            </a:r>
-            <a:r>
-              <a:rPr lang="en-US" sz="5400" b="1" dirty="0" smtClean="0">
-                <a:solidFill>
-                  <a:srgbClr val="002060"/>
-                </a:solidFill>
-              </a:rPr>
-              <a:t>.</a:t>
-            </a:r>
-            <a:endParaRPr lang="en-US" sz="5400" b="1" dirty="0">
+              <a:t>( 1 )</a:t>
+            </a:r>
+            <a:endParaRPr lang="vi-VN" sz="4800" b="1" dirty="0">
               <a:solidFill>
-                <a:srgbClr val="002060"/>
+                <a:srgbClr val="000066"/>
               </a:solidFill>
+              <a:effectLst/>
             </a:endParaRPr>
           </a:p>
         </p:txBody>
@@ -4446,13 +4992,20 @@
     </p:spTree>
     <p:extLst>
       <p:ext uri="{BB962C8B-B14F-4D97-AF65-F5344CB8AC3E}">
-        <p14:creationId xmlns:p14="http://schemas.microsoft.com/office/powerpoint/2010/main" val="3243558998"/>
+        <p14:creationId xmlns:p14="http://schemas.microsoft.com/office/powerpoint/2010/main" val="1426957651"/>
       </p:ext>
     </p:extLst>
   </p:cSld>
   <p:clrMapOvr>
     <a:masterClrMapping/>
   </p:clrMapOvr>
+  <p:timing>
+    <p:tnLst>
+      <p:par>
+        <p:cTn id="1" dur="indefinite" restart="never" nodeType="tmRoot"/>
+      </p:par>
+    </p:tnLst>
+  </p:timing>
 </p:sld>
 </file>
 
@@ -4475,54 +5028,57 @@
       </p:grpSpPr>
       <p:sp>
         <p:nvSpPr>
-          <p:cNvPr id="4" name="Title 3"/>
-          <p:cNvSpPr>
-            <a:spLocks noGrp="1"/>
-          </p:cNvSpPr>
-          <p:nvPr>
-            <p:ph type="title"/>
-          </p:nvPr>
-        </p:nvSpPr>
-        <p:spPr/>
-        <p:txBody>
-          <a:bodyPr>
+          <p:cNvPr id="5" name="內容版面配置區 4"/>
+          <p:cNvSpPr>
+            <a:spLocks noGrp="1"/>
+          </p:cNvSpPr>
+          <p:nvPr>
+            <p:ph idx="1"/>
+          </p:nvPr>
+        </p:nvSpPr>
+        <p:spPr>
+          <a:xfrm>
+            <a:off x="0" y="2084851"/>
+            <a:ext cx="12192000" cy="2404863"/>
+          </a:xfrm>
+        </p:spPr>
+        <p:txBody>
+          <a:bodyPr anchor="ctr">
             <a:normAutofit/>
           </a:bodyPr>
           <a:lstStyle/>
           <a:p>
-            <a:r>
-              <a:rPr lang="en-US" altLang="zh-CN" sz="4800" b="1" dirty="0">
-                <a:solidFill>
-                  <a:srgbClr val="002060"/>
+            <a:pPr marL="0" indent="0" algn="ctr">
+              <a:buNone/>
+            </a:pPr>
+            <a:r>
+              <a:rPr lang="zh-TW" altLang="en-US" sz="6400" b="1" dirty="0">
+                <a:solidFill>
+                  <a:srgbClr val="000066"/>
                 </a:solidFill>
                 <a:latin typeface="Microsoft JhengHei" panose="020B0604030504040204" pitchFamily="34" charset="-120"/>
                 <a:ea typeface="Microsoft JhengHei" panose="020B0604030504040204" pitchFamily="34" charset="-120"/>
               </a:rPr>
-              <a:t>【</a:t>
-            </a:r>
-            <a:r>
-              <a:rPr lang="zh-CN" altLang="en-US" sz="4800" b="1" dirty="0">
-                <a:solidFill>
-                  <a:srgbClr val="002060"/>
+              <a:t>全所有奉獻  全所有奉獻</a:t>
+            </a:r>
+          </a:p>
+          <a:p>
+            <a:pPr marL="0" indent="0" algn="ctr">
+              <a:buNone/>
+            </a:pPr>
+            <a:r>
+              <a:rPr lang="zh-TW" altLang="en-US" sz="6400" b="1" dirty="0">
+                <a:solidFill>
+                  <a:srgbClr val="000066"/>
                 </a:solidFill>
                 <a:latin typeface="Microsoft JhengHei" panose="020B0604030504040204" pitchFamily="34" charset="-120"/>
                 <a:ea typeface="Microsoft JhengHei" panose="020B0604030504040204" pitchFamily="34" charset="-120"/>
               </a:rPr>
-              <a:t>完全奉獻</a:t>
-            </a:r>
-            <a:r>
-              <a:rPr lang="en-US" altLang="zh-CN" sz="4800" b="1" dirty="0">
-                <a:solidFill>
-                  <a:srgbClr val="002060"/>
-                </a:solidFill>
-                <a:latin typeface="Microsoft JhengHei" panose="020B0604030504040204" pitchFamily="34" charset="-120"/>
-                <a:ea typeface="Microsoft JhengHei" panose="020B0604030504040204" pitchFamily="34" charset="-120"/>
-              </a:rPr>
-              <a:t>】</a:t>
-            </a:r>
-            <a:endParaRPr lang="zh-CN" altLang="en-US" sz="4800" b="1" dirty="0">
+              <a:t>獻與愛我尊貴救主  全所有奉獻 </a:t>
+            </a:r>
+            <a:endParaRPr lang="zh-TW" altLang="en-US" sz="6400" b="1" dirty="0">
               <a:solidFill>
-                <a:srgbClr val="002060"/>
+                <a:srgbClr val="000066"/>
               </a:solidFill>
               <a:latin typeface="Microsoft JhengHei" panose="020B0604030504040204" pitchFamily="34" charset="-120"/>
               <a:ea typeface="Microsoft JhengHei" panose="020B0604030504040204" pitchFamily="34" charset="-120"/>
@@ -4530,94 +5086,23 @@
           </a:p>
         </p:txBody>
       </p:sp>
-      <p:sp>
-        <p:nvSpPr>
-          <p:cNvPr id="5" name="Content Placeholder 4"/>
-          <p:cNvSpPr>
-            <a:spLocks noGrp="1"/>
-          </p:cNvSpPr>
-          <p:nvPr>
-            <p:ph idx="1"/>
-          </p:nvPr>
-        </p:nvSpPr>
-        <p:spPr/>
-        <p:txBody>
-          <a:bodyPr>
-            <a:normAutofit/>
-          </a:bodyPr>
-          <a:lstStyle/>
-          <a:p>
-            <a:pPr marL="0" indent="0" algn="ctr">
-              <a:buNone/>
-            </a:pPr>
-            <a:r>
-              <a:rPr lang="zh-TW" altLang="en-US" sz="5400" b="1" dirty="0">
-                <a:solidFill>
-                  <a:srgbClr val="002060"/>
-                </a:solidFill>
-                <a:latin typeface="Microsoft JhengHei" panose="020B0604030504040204" pitchFamily="34" charset="-120"/>
-                <a:ea typeface="Microsoft JhengHei" panose="020B0604030504040204" pitchFamily="34" charset="-120"/>
-              </a:rPr>
-              <a:t>全所有奉獻</a:t>
-            </a:r>
-          </a:p>
-          <a:p>
-            <a:pPr marL="0" indent="0" algn="ctr">
-              <a:buNone/>
-            </a:pPr>
-            <a:r>
-              <a:rPr lang="zh-TW" altLang="en-US" sz="5400" b="1" dirty="0">
-                <a:solidFill>
-                  <a:srgbClr val="002060"/>
-                </a:solidFill>
-                <a:latin typeface="Microsoft JhengHei" panose="020B0604030504040204" pitchFamily="34" charset="-120"/>
-                <a:ea typeface="Microsoft JhengHei" panose="020B0604030504040204" pitchFamily="34" charset="-120"/>
-              </a:rPr>
-              <a:t>全所有奉獻</a:t>
-            </a:r>
-          </a:p>
-          <a:p>
-            <a:pPr marL="0" indent="0" algn="ctr">
-              <a:buNone/>
-            </a:pPr>
-            <a:r>
-              <a:rPr lang="zh-TW" altLang="en-US" sz="5400" b="1" dirty="0">
-                <a:solidFill>
-                  <a:srgbClr val="002060"/>
-                </a:solidFill>
-                <a:latin typeface="Microsoft JhengHei" panose="020B0604030504040204" pitchFamily="34" charset="-120"/>
-                <a:ea typeface="Microsoft JhengHei" panose="020B0604030504040204" pitchFamily="34" charset="-120"/>
-              </a:rPr>
-              <a:t>獻與愛我尊貴救主</a:t>
-            </a:r>
-          </a:p>
-          <a:p>
-            <a:pPr marL="0" indent="0" algn="ctr">
-              <a:buNone/>
-            </a:pPr>
-            <a:r>
-              <a:rPr lang="zh-TW" altLang="en-US" sz="5400" b="1" dirty="0">
-                <a:solidFill>
-                  <a:srgbClr val="002060"/>
-                </a:solidFill>
-                <a:latin typeface="Microsoft JhengHei" panose="020B0604030504040204" pitchFamily="34" charset="-120"/>
-                <a:ea typeface="Microsoft JhengHei" panose="020B0604030504040204" pitchFamily="34" charset="-120"/>
-              </a:rPr>
-              <a:t>全所有奉獻 </a:t>
-            </a:r>
-          </a:p>
-        </p:txBody>
-      </p:sp>
     </p:spTree>
     <p:extLst>
       <p:ext uri="{BB962C8B-B14F-4D97-AF65-F5344CB8AC3E}">
-        <p14:creationId xmlns:p14="http://schemas.microsoft.com/office/powerpoint/2010/main" val="967079685"/>
+        <p14:creationId xmlns:p14="http://schemas.microsoft.com/office/powerpoint/2010/main" val="3146227496"/>
       </p:ext>
     </p:extLst>
   </p:cSld>
   <p:clrMapOvr>
     <a:masterClrMapping/>
   </p:clrMapOvr>
+  <p:timing>
+    <p:tnLst>
+      <p:par>
+        <p:cTn id="1" dur="indefinite" restart="never" nodeType="tmRoot"/>
+      </p:par>
+    </p:tnLst>
+  </p:timing>
 </p:sld>
 </file>
 
@@ -4640,54 +5125,57 @@
       </p:grpSpPr>
       <p:sp>
         <p:nvSpPr>
-          <p:cNvPr id="4" name="Title 3"/>
-          <p:cNvSpPr>
-            <a:spLocks noGrp="1"/>
-          </p:cNvSpPr>
-          <p:nvPr>
-            <p:ph type="title"/>
-          </p:nvPr>
-        </p:nvSpPr>
-        <p:spPr/>
-        <p:txBody>
-          <a:bodyPr>
+          <p:cNvPr id="5" name="內容版面配置區 4"/>
+          <p:cNvSpPr>
+            <a:spLocks noGrp="1"/>
+          </p:cNvSpPr>
+          <p:nvPr>
+            <p:ph idx="1"/>
+          </p:nvPr>
+        </p:nvSpPr>
+        <p:spPr>
+          <a:xfrm>
+            <a:off x="0" y="2084851"/>
+            <a:ext cx="12192000" cy="2404863"/>
+          </a:xfrm>
+        </p:spPr>
+        <p:txBody>
+          <a:bodyPr anchor="ctr">
             <a:normAutofit/>
           </a:bodyPr>
           <a:lstStyle/>
           <a:p>
-            <a:r>
-              <a:rPr lang="en-US" altLang="zh-CN" sz="4800" b="1" dirty="0">
-                <a:solidFill>
-                  <a:srgbClr val="002060"/>
+            <a:pPr marL="0" indent="0" algn="ctr">
+              <a:buNone/>
+            </a:pPr>
+            <a:r>
+              <a:rPr lang="zh-TW" altLang="en-US" sz="6400" b="1" dirty="0">
+                <a:solidFill>
+                  <a:srgbClr val="000066"/>
                 </a:solidFill>
                 <a:latin typeface="Microsoft JhengHei" panose="020B0604030504040204" pitchFamily="34" charset="-120"/>
                 <a:ea typeface="Microsoft JhengHei" panose="020B0604030504040204" pitchFamily="34" charset="-120"/>
               </a:rPr>
-              <a:t>【</a:t>
-            </a:r>
-            <a:r>
-              <a:rPr lang="zh-CN" altLang="en-US" sz="4800" b="1" dirty="0">
-                <a:solidFill>
-                  <a:srgbClr val="002060"/>
+              <a:t>全所有我獻與耶穌</a:t>
+            </a:r>
+          </a:p>
+          <a:p>
+            <a:pPr marL="0" indent="0" algn="ctr">
+              <a:buNone/>
+            </a:pPr>
+            <a:r>
+              <a:rPr lang="zh-TW" altLang="en-US" sz="6400" b="1" dirty="0">
+                <a:solidFill>
+                  <a:srgbClr val="000066"/>
                 </a:solidFill>
                 <a:latin typeface="Microsoft JhengHei" panose="020B0604030504040204" pitchFamily="34" charset="-120"/>
                 <a:ea typeface="Microsoft JhengHei" panose="020B0604030504040204" pitchFamily="34" charset="-120"/>
               </a:rPr>
-              <a:t>完全奉獻</a:t>
-            </a:r>
-            <a:r>
-              <a:rPr lang="en-US" altLang="zh-CN" sz="4800" b="1" dirty="0">
-                <a:solidFill>
-                  <a:srgbClr val="002060"/>
-                </a:solidFill>
-                <a:latin typeface="Microsoft JhengHei" panose="020B0604030504040204" pitchFamily="34" charset="-120"/>
-                <a:ea typeface="Microsoft JhengHei" panose="020B0604030504040204" pitchFamily="34" charset="-120"/>
-              </a:rPr>
-              <a:t>】</a:t>
-            </a:r>
-            <a:endParaRPr lang="zh-CN" altLang="en-US" sz="4800" b="1" dirty="0">
+              <a:t>主的脚下我歸依</a:t>
+            </a:r>
+            <a:endParaRPr lang="zh-TW" altLang="en-US" sz="6400" b="1" dirty="0">
               <a:solidFill>
-                <a:srgbClr val="002060"/>
+                <a:srgbClr val="000066"/>
               </a:solidFill>
               <a:latin typeface="Microsoft JhengHei" panose="020B0604030504040204" pitchFamily="34" charset="-120"/>
               <a:ea typeface="Microsoft JhengHei" panose="020B0604030504040204" pitchFamily="34" charset="-120"/>
@@ -4697,121 +5185,41 @@
       </p:sp>
       <p:sp>
         <p:nvSpPr>
-          <p:cNvPr id="5" name="Content Placeholder 4"/>
-          <p:cNvSpPr>
-            <a:spLocks noGrp="1"/>
-          </p:cNvSpPr>
-          <p:nvPr>
-            <p:ph idx="1"/>
-          </p:nvPr>
-        </p:nvSpPr>
-        <p:spPr/>
-        <p:txBody>
-          <a:bodyPr>
-            <a:normAutofit/>
-          </a:bodyPr>
-          <a:lstStyle/>
-          <a:p>
-            <a:pPr marL="0" indent="0" algn="ctr">
-              <a:buNone/>
-            </a:pPr>
-            <a:r>
-              <a:rPr lang="zh-TW" altLang="en-US" sz="5400" b="1" dirty="0">
-                <a:solidFill>
-                  <a:srgbClr val="002060"/>
-                </a:solidFill>
-                <a:latin typeface="Microsoft JhengHei" panose="020B0604030504040204" pitchFamily="34" charset="-120"/>
-                <a:ea typeface="Microsoft JhengHei" panose="020B0604030504040204" pitchFamily="34" charset="-120"/>
-              </a:rPr>
-              <a:t>全所有 我獻與救主</a:t>
-            </a:r>
-          </a:p>
-          <a:p>
-            <a:pPr marL="0" indent="0" algn="ctr">
-              <a:buNone/>
-            </a:pPr>
-            <a:r>
-              <a:rPr lang="zh-TW" altLang="en-US" sz="5400" b="1" dirty="0">
-                <a:solidFill>
-                  <a:srgbClr val="002060"/>
-                </a:solidFill>
-                <a:latin typeface="Microsoft JhengHei" panose="020B0604030504040204" pitchFamily="34" charset="-120"/>
-                <a:ea typeface="Microsoft JhengHei" panose="020B0604030504040204" pitchFamily="34" charset="-120"/>
-              </a:rPr>
-              <a:t>使我完全屬耶穌</a:t>
-            </a:r>
-          </a:p>
-          <a:p>
-            <a:pPr marL="0" indent="0" algn="ctr">
-              <a:buNone/>
-            </a:pPr>
-            <a:r>
-              <a:rPr lang="zh-TW" altLang="en-US" sz="5400" b="1" dirty="0">
-                <a:solidFill>
-                  <a:srgbClr val="002060"/>
-                </a:solidFill>
-                <a:latin typeface="Microsoft JhengHei" panose="020B0604030504040204" pitchFamily="34" charset="-120"/>
-                <a:ea typeface="Microsoft JhengHei" panose="020B0604030504040204" pitchFamily="34" charset="-120"/>
-              </a:rPr>
-              <a:t>求主聖靈向我證明</a:t>
-            </a:r>
-          </a:p>
-          <a:p>
-            <a:pPr marL="0" indent="0" algn="ctr">
-              <a:buNone/>
-            </a:pPr>
-            <a:r>
-              <a:rPr lang="zh-TW" altLang="en-US" sz="5400" b="1" dirty="0">
-                <a:solidFill>
-                  <a:srgbClr val="002060"/>
-                </a:solidFill>
-                <a:latin typeface="Microsoft JhengHei" panose="020B0604030504040204" pitchFamily="34" charset="-120"/>
-                <a:ea typeface="Microsoft JhengHei" panose="020B0604030504040204" pitchFamily="34" charset="-120"/>
-              </a:rPr>
-              <a:t>主屬我我屬乎主</a:t>
-            </a:r>
-          </a:p>
-        </p:txBody>
-      </p:sp>
-      <p:sp>
-        <p:nvSpPr>
-          <p:cNvPr id="6" name="Text Box 1"/>
+          <p:cNvPr id="3" name="TextBox 2"/>
           <p:cNvSpPr txBox="1"/>
           <p:nvPr/>
         </p:nvSpPr>
         <p:spPr>
           <a:xfrm>
-            <a:off x="1415480" y="1700808"/>
-            <a:ext cx="911424" cy="923330"/>
+            <a:off x="0" y="5061182"/>
+            <a:ext cx="12192000" cy="830997"/>
           </a:xfrm>
           <a:prstGeom prst="rect">
             <a:avLst/>
           </a:prstGeom>
           <a:noFill/>
-          <a:ln w="9525">
-            <a:noFill/>
-            <a:miter lim="800000"/>
-          </a:ln>
         </p:spPr>
         <p:txBody>
-          <a:bodyPr wrap="square">
+          <a:bodyPr wrap="square" rtlCol="0">
             <a:spAutoFit/>
           </a:bodyPr>
           <a:lstStyle/>
           <a:p>
             <a:pPr algn="ctr"/>
             <a:r>
-              <a:rPr lang="en-US" sz="5400" b="1" dirty="0" smtClean="0">
-                <a:solidFill>
-                  <a:srgbClr val="002060"/>
-                </a:solidFill>
+              <a:rPr lang="en-US" sz="4800" b="1" dirty="0">
+                <a:solidFill>
+                  <a:srgbClr val="000066"/>
+                </a:solidFill>
+                <a:effectLst/>
               </a:rPr>
-              <a:t>3.</a:t>
-            </a:r>
-            <a:endParaRPr lang="en-US" sz="5400" b="1" dirty="0">
+              <a:t>( 2 )</a:t>
+            </a:r>
+            <a:endParaRPr lang="vi-VN" sz="4800" b="1" dirty="0">
               <a:solidFill>
-                <a:srgbClr val="002060"/>
+                <a:srgbClr val="000066"/>
               </a:solidFill>
+              <a:effectLst/>
             </a:endParaRPr>
           </a:p>
         </p:txBody>
@@ -4819,13 +5227,20 @@
     </p:spTree>
     <p:extLst>
       <p:ext uri="{BB962C8B-B14F-4D97-AF65-F5344CB8AC3E}">
-        <p14:creationId xmlns:p14="http://schemas.microsoft.com/office/powerpoint/2010/main" val="2946003170"/>
+        <p14:creationId xmlns:p14="http://schemas.microsoft.com/office/powerpoint/2010/main" val="421637832"/>
       </p:ext>
     </p:extLst>
   </p:cSld>
   <p:clrMapOvr>
     <a:masterClrMapping/>
   </p:clrMapOvr>
+  <p:timing>
+    <p:tnLst>
+      <p:par>
+        <p:cTn id="1" dur="indefinite" restart="never" nodeType="tmRoot"/>
+      </p:par>
+    </p:tnLst>
+  </p:timing>
 </p:sld>
 </file>
 
@@ -4848,54 +5263,57 @@
       </p:grpSpPr>
       <p:sp>
         <p:nvSpPr>
-          <p:cNvPr id="4" name="Title 3"/>
-          <p:cNvSpPr>
-            <a:spLocks noGrp="1"/>
-          </p:cNvSpPr>
-          <p:nvPr>
-            <p:ph type="title"/>
-          </p:nvPr>
-        </p:nvSpPr>
-        <p:spPr/>
-        <p:txBody>
-          <a:bodyPr>
+          <p:cNvPr id="5" name="內容版面配置區 4"/>
+          <p:cNvSpPr>
+            <a:spLocks noGrp="1"/>
+          </p:cNvSpPr>
+          <p:nvPr>
+            <p:ph idx="1"/>
+          </p:nvPr>
+        </p:nvSpPr>
+        <p:spPr>
+          <a:xfrm>
+            <a:off x="0" y="2084851"/>
+            <a:ext cx="12192000" cy="2404863"/>
+          </a:xfrm>
+        </p:spPr>
+        <p:txBody>
+          <a:bodyPr anchor="ctr">
             <a:normAutofit/>
           </a:bodyPr>
           <a:lstStyle/>
           <a:p>
-            <a:r>
-              <a:rPr lang="en-US" altLang="zh-CN" sz="4800" b="1" dirty="0">
-                <a:solidFill>
-                  <a:srgbClr val="002060"/>
+            <a:pPr marL="0" indent="0" algn="ctr">
+              <a:buNone/>
+            </a:pPr>
+            <a:r>
+              <a:rPr lang="zh-TW" altLang="en-US" sz="6400" b="1" dirty="0">
+                <a:solidFill>
+                  <a:srgbClr val="000066"/>
                 </a:solidFill>
                 <a:latin typeface="Microsoft JhengHei" panose="020B0604030504040204" pitchFamily="34" charset="-120"/>
                 <a:ea typeface="Microsoft JhengHei" panose="020B0604030504040204" pitchFamily="34" charset="-120"/>
               </a:rPr>
-              <a:t>【</a:t>
-            </a:r>
-            <a:r>
-              <a:rPr lang="zh-CN" altLang="en-US" sz="4800" b="1" dirty="0">
-                <a:solidFill>
-                  <a:srgbClr val="002060"/>
+              <a:t>世界快樂甘願撇棄</a:t>
+            </a:r>
+          </a:p>
+          <a:p>
+            <a:pPr marL="0" indent="0" algn="ctr">
+              <a:buNone/>
+            </a:pPr>
+            <a:r>
+              <a:rPr lang="zh-TW" altLang="en-US" sz="6400" b="1" dirty="0">
+                <a:solidFill>
+                  <a:srgbClr val="000066"/>
                 </a:solidFill>
                 <a:latin typeface="Microsoft JhengHei" panose="020B0604030504040204" pitchFamily="34" charset="-120"/>
                 <a:ea typeface="Microsoft JhengHei" panose="020B0604030504040204" pitchFamily="34" charset="-120"/>
               </a:rPr>
-              <a:t>完全奉獻</a:t>
-            </a:r>
-            <a:r>
-              <a:rPr lang="en-US" altLang="zh-CN" sz="4800" b="1" dirty="0">
-                <a:solidFill>
-                  <a:srgbClr val="002060"/>
-                </a:solidFill>
-                <a:latin typeface="Microsoft JhengHei" panose="020B0604030504040204" pitchFamily="34" charset="-120"/>
-                <a:ea typeface="Microsoft JhengHei" panose="020B0604030504040204" pitchFamily="34" charset="-120"/>
-              </a:rPr>
-              <a:t>】</a:t>
-            </a:r>
-            <a:endParaRPr lang="zh-CN" altLang="en-US" sz="4800" b="1" dirty="0">
+              <a:t>求主收我於現時</a:t>
+            </a:r>
+            <a:endParaRPr lang="zh-TW" altLang="en-US" sz="6400" b="1" dirty="0">
               <a:solidFill>
-                <a:srgbClr val="002060"/>
+                <a:srgbClr val="000066"/>
               </a:solidFill>
               <a:latin typeface="Microsoft JhengHei" panose="020B0604030504040204" pitchFamily="34" charset="-120"/>
               <a:ea typeface="Microsoft JhengHei" panose="020B0604030504040204" pitchFamily="34" charset="-120"/>
@@ -4905,92 +5323,62 @@
       </p:sp>
       <p:sp>
         <p:nvSpPr>
-          <p:cNvPr id="5" name="Content Placeholder 4"/>
-          <p:cNvSpPr>
-            <a:spLocks noGrp="1"/>
-          </p:cNvSpPr>
-          <p:nvPr>
-            <p:ph idx="1"/>
-          </p:nvPr>
-        </p:nvSpPr>
-        <p:spPr/>
-        <p:txBody>
-          <a:bodyPr>
-            <a:normAutofit/>
+          <p:cNvPr id="3" name="TextBox 2"/>
+          <p:cNvSpPr txBox="1"/>
+          <p:nvPr/>
+        </p:nvSpPr>
+        <p:spPr>
+          <a:xfrm>
+            <a:off x="0" y="5061182"/>
+            <a:ext cx="12192000" cy="830997"/>
+          </a:xfrm>
+          <a:prstGeom prst="rect">
+            <a:avLst/>
+          </a:prstGeom>
+          <a:noFill/>
+        </p:spPr>
+        <p:txBody>
+          <a:bodyPr wrap="square" rtlCol="0">
+            <a:spAutoFit/>
           </a:bodyPr>
           <a:lstStyle/>
           <a:p>
-            <a:pPr marL="0" indent="0" algn="ctr">
-              <a:buNone/>
-            </a:pPr>
-            <a:r>
-              <a:rPr lang="zh-TW" altLang="en-US" sz="5400" b="1" dirty="0">
-                <a:solidFill>
-                  <a:srgbClr val="002060"/>
-                </a:solidFill>
-                <a:latin typeface="Microsoft JhengHei" panose="020B0604030504040204" pitchFamily="34" charset="-120"/>
-                <a:ea typeface="Microsoft JhengHei" panose="020B0604030504040204" pitchFamily="34" charset="-120"/>
+            <a:pPr algn="ctr"/>
+            <a:r>
+              <a:rPr lang="en-US" sz="4800" b="1" dirty="0">
+                <a:solidFill>
+                  <a:srgbClr val="000066"/>
+                </a:solidFill>
+                <a:effectLst/>
               </a:rPr>
-              <a:t>全所有奉獻</a:t>
-            </a:r>
-          </a:p>
-          <a:p>
-            <a:pPr marL="0" indent="0" algn="ctr">
-              <a:buNone/>
-            </a:pPr>
-            <a:r>
-              <a:rPr lang="zh-TW" altLang="en-US" sz="5400" b="1" dirty="0">
-                <a:solidFill>
-                  <a:srgbClr val="002060"/>
-                </a:solidFill>
-                <a:latin typeface="Microsoft JhengHei" panose="020B0604030504040204" pitchFamily="34" charset="-120"/>
-                <a:ea typeface="Microsoft JhengHei" panose="020B0604030504040204" pitchFamily="34" charset="-120"/>
-              </a:rPr>
-              <a:t>全所有奉獻</a:t>
-            </a:r>
-          </a:p>
-          <a:p>
-            <a:pPr marL="0" indent="0" algn="ctr">
-              <a:buNone/>
-            </a:pPr>
-            <a:r>
-              <a:rPr lang="zh-TW" altLang="en-US" sz="5400" b="1" dirty="0">
-                <a:solidFill>
-                  <a:srgbClr val="002060"/>
-                </a:solidFill>
-                <a:latin typeface="Microsoft JhengHei" panose="020B0604030504040204" pitchFamily="34" charset="-120"/>
-                <a:ea typeface="Microsoft JhengHei" panose="020B0604030504040204" pitchFamily="34" charset="-120"/>
-              </a:rPr>
-              <a:t>獻與愛我尊貴救主</a:t>
-            </a:r>
-          </a:p>
-          <a:p>
-            <a:pPr marL="0" indent="0" algn="ctr">
-              <a:buNone/>
-            </a:pPr>
-            <a:r>
-              <a:rPr lang="zh-TW" altLang="en-US" sz="5400" b="1" dirty="0">
-                <a:solidFill>
-                  <a:srgbClr val="002060"/>
-                </a:solidFill>
-                <a:latin typeface="Microsoft JhengHei" panose="020B0604030504040204" pitchFamily="34" charset="-120"/>
-                <a:ea typeface="Microsoft JhengHei" panose="020B0604030504040204" pitchFamily="34" charset="-120"/>
-              </a:rPr>
-              <a:t>全所有奉獻 </a:t>
-            </a:r>
+              <a:t>( 2 )</a:t>
+            </a:r>
+            <a:endParaRPr lang="vi-VN" sz="4800" b="1" dirty="0">
+              <a:solidFill>
+                <a:srgbClr val="000066"/>
+              </a:solidFill>
+              <a:effectLst/>
+            </a:endParaRPr>
           </a:p>
         </p:txBody>
       </p:sp>
     </p:spTree>
     <p:extLst>
       <p:ext uri="{BB962C8B-B14F-4D97-AF65-F5344CB8AC3E}">
-        <p14:creationId xmlns:p14="http://schemas.microsoft.com/office/powerpoint/2010/main" val="1318689136"/>
+        <p14:creationId xmlns:p14="http://schemas.microsoft.com/office/powerpoint/2010/main" val="3364712161"/>
       </p:ext>
     </p:extLst>
   </p:cSld>
   <p:clrMapOvr>
     <a:masterClrMapping/>
   </p:clrMapOvr>
+  <p:timing>
+    <p:tnLst>
+      <p:par>
+        <p:cTn id="1" dur="indefinite" restart="never" nodeType="tmRoot"/>
+      </p:par>
+    </p:tnLst>
+  </p:timing>
 </p:sld>
 </file>
 
@@ -5013,54 +5401,57 @@
       </p:grpSpPr>
       <p:sp>
         <p:nvSpPr>
-          <p:cNvPr id="4" name="Title 3"/>
-          <p:cNvSpPr>
-            <a:spLocks noGrp="1"/>
-          </p:cNvSpPr>
-          <p:nvPr>
-            <p:ph type="title"/>
-          </p:nvPr>
-        </p:nvSpPr>
-        <p:spPr/>
-        <p:txBody>
-          <a:bodyPr>
+          <p:cNvPr id="5" name="內容版面配置區 4"/>
+          <p:cNvSpPr>
+            <a:spLocks noGrp="1"/>
+          </p:cNvSpPr>
+          <p:nvPr>
+            <p:ph idx="1"/>
+          </p:nvPr>
+        </p:nvSpPr>
+        <p:spPr>
+          <a:xfrm>
+            <a:off x="0" y="2084851"/>
+            <a:ext cx="12192000" cy="2404863"/>
+          </a:xfrm>
+        </p:spPr>
+        <p:txBody>
+          <a:bodyPr anchor="ctr">
             <a:normAutofit/>
           </a:bodyPr>
           <a:lstStyle/>
           <a:p>
-            <a:r>
-              <a:rPr lang="en-US" altLang="zh-CN" sz="4800" b="1" dirty="0">
-                <a:solidFill>
-                  <a:srgbClr val="002060"/>
+            <a:pPr marL="0" indent="0" algn="ctr">
+              <a:buNone/>
+            </a:pPr>
+            <a:r>
+              <a:rPr lang="zh-TW" altLang="en-US" sz="6400" b="1" dirty="0">
+                <a:solidFill>
+                  <a:srgbClr val="000066"/>
                 </a:solidFill>
                 <a:latin typeface="Microsoft JhengHei" panose="020B0604030504040204" pitchFamily="34" charset="-120"/>
                 <a:ea typeface="Microsoft JhengHei" panose="020B0604030504040204" pitchFamily="34" charset="-120"/>
               </a:rPr>
-              <a:t>【</a:t>
-            </a:r>
-            <a:r>
-              <a:rPr lang="zh-CN" altLang="en-US" sz="4800" b="1" dirty="0">
-                <a:solidFill>
-                  <a:srgbClr val="002060"/>
+              <a:t>全所有奉獻  全所有奉獻</a:t>
+            </a:r>
+          </a:p>
+          <a:p>
+            <a:pPr marL="0" indent="0" algn="ctr">
+              <a:buNone/>
+            </a:pPr>
+            <a:r>
+              <a:rPr lang="zh-TW" altLang="en-US" sz="6400" b="1" dirty="0">
+                <a:solidFill>
+                  <a:srgbClr val="000066"/>
                 </a:solidFill>
                 <a:latin typeface="Microsoft JhengHei" panose="020B0604030504040204" pitchFamily="34" charset="-120"/>
                 <a:ea typeface="Microsoft JhengHei" panose="020B0604030504040204" pitchFamily="34" charset="-120"/>
               </a:rPr>
-              <a:t>完全奉獻</a:t>
-            </a:r>
-            <a:r>
-              <a:rPr lang="en-US" altLang="zh-CN" sz="4800" b="1" dirty="0">
-                <a:solidFill>
-                  <a:srgbClr val="002060"/>
-                </a:solidFill>
-                <a:latin typeface="Microsoft JhengHei" panose="020B0604030504040204" pitchFamily="34" charset="-120"/>
-                <a:ea typeface="Microsoft JhengHei" panose="020B0604030504040204" pitchFamily="34" charset="-120"/>
-              </a:rPr>
-              <a:t>】</a:t>
-            </a:r>
-            <a:endParaRPr lang="zh-CN" altLang="en-US" sz="4800" b="1" dirty="0">
+              <a:t>獻與愛我尊貴救主  全所有奉獻 </a:t>
+            </a:r>
+            <a:endParaRPr lang="zh-TW" altLang="en-US" sz="6400" b="1" dirty="0">
               <a:solidFill>
-                <a:srgbClr val="002060"/>
+                <a:srgbClr val="000066"/>
               </a:solidFill>
               <a:latin typeface="Microsoft JhengHei" panose="020B0604030504040204" pitchFamily="34" charset="-120"/>
               <a:ea typeface="Microsoft JhengHei" panose="020B0604030504040204" pitchFamily="34" charset="-120"/>
@@ -5068,145 +5459,23 @@
           </a:p>
         </p:txBody>
       </p:sp>
-      <p:sp>
-        <p:nvSpPr>
-          <p:cNvPr id="5" name="Content Placeholder 4"/>
-          <p:cNvSpPr>
-            <a:spLocks noGrp="1"/>
-          </p:cNvSpPr>
-          <p:nvPr>
-            <p:ph idx="1"/>
-          </p:nvPr>
-        </p:nvSpPr>
-        <p:spPr/>
-        <p:txBody>
-          <a:bodyPr>
-            <a:normAutofit/>
-          </a:bodyPr>
-          <a:lstStyle/>
-          <a:p>
-            <a:pPr marL="0" indent="0" algn="ctr">
-              <a:buNone/>
-            </a:pPr>
-            <a:r>
-              <a:rPr lang="zh-TW" altLang="en-US" sz="5400" b="1" dirty="0">
-                <a:solidFill>
-                  <a:srgbClr val="002060"/>
-                </a:solidFill>
-                <a:latin typeface="Microsoft JhengHei" panose="020B0604030504040204" pitchFamily="34" charset="-120"/>
-                <a:ea typeface="Microsoft JhengHei" panose="020B0604030504040204" pitchFamily="34" charset="-120"/>
-              </a:rPr>
-              <a:t>全所有 我獻與耶穌</a:t>
-            </a:r>
-          </a:p>
-          <a:p>
-            <a:pPr marL="0" indent="0" algn="ctr">
-              <a:buNone/>
-            </a:pPr>
-            <a:r>
-              <a:rPr lang="zh-TW" altLang="en-US" sz="5400" b="1" dirty="0">
-                <a:solidFill>
-                  <a:srgbClr val="002060"/>
-                </a:solidFill>
-                <a:latin typeface="Microsoft JhengHei" panose="020B0604030504040204" pitchFamily="34" charset="-120"/>
-                <a:ea typeface="Microsoft JhengHei" panose="020B0604030504040204" pitchFamily="34" charset="-120"/>
-              </a:rPr>
-              <a:t>主歟我今獻與你</a:t>
-            </a:r>
-          </a:p>
-          <a:p>
-            <a:pPr marL="0" indent="0" algn="ctr">
-              <a:buNone/>
-            </a:pPr>
-            <a:r>
-              <a:rPr lang="zh-TW" altLang="en-US" sz="5400" b="1" dirty="0">
-                <a:solidFill>
-                  <a:srgbClr val="002060"/>
-                </a:solidFill>
-                <a:latin typeface="Microsoft JhengHei" panose="020B0604030504040204" pitchFamily="34" charset="-120"/>
-                <a:ea typeface="Microsoft JhengHei" panose="020B0604030504040204" pitchFamily="34" charset="-120"/>
-              </a:rPr>
-              <a:t>將信望愛充滿我心</a:t>
-            </a:r>
-          </a:p>
-          <a:p>
-            <a:pPr marL="0" indent="0" algn="ctr">
-              <a:buNone/>
-            </a:pPr>
-            <a:r>
-              <a:rPr lang="zh-TW" altLang="en-US" sz="5400" b="1" dirty="0">
-                <a:solidFill>
-                  <a:srgbClr val="002060"/>
-                </a:solidFill>
-                <a:latin typeface="Microsoft JhengHei" panose="020B0604030504040204" pitchFamily="34" charset="-120"/>
-                <a:ea typeface="Microsoft JhengHei" panose="020B0604030504040204" pitchFamily="34" charset="-120"/>
-              </a:rPr>
-              <a:t>賜我智慧與能力</a:t>
-            </a:r>
-          </a:p>
-        </p:txBody>
-      </p:sp>
-      <p:sp>
-        <p:nvSpPr>
-          <p:cNvPr id="6" name="Text Box 1"/>
-          <p:cNvSpPr txBox="1"/>
-          <p:nvPr/>
-        </p:nvSpPr>
-        <p:spPr>
-          <a:xfrm>
-            <a:off x="1415480" y="1700808"/>
-            <a:ext cx="911424" cy="923330"/>
-          </a:xfrm>
-          <a:prstGeom prst="rect">
-            <a:avLst/>
-          </a:prstGeom>
-          <a:noFill/>
-          <a:ln w="9525">
-            <a:noFill/>
-            <a:miter lim="800000"/>
-          </a:ln>
-        </p:spPr>
-        <p:txBody>
-          <a:bodyPr wrap="square">
-            <a:spAutoFit/>
-          </a:bodyPr>
-          <a:lstStyle/>
-          <a:p>
-            <a:pPr algn="ctr"/>
-            <a:r>
-              <a:rPr lang="en-US" sz="5400" b="1" dirty="0">
-                <a:solidFill>
-                  <a:srgbClr val="002060"/>
-                </a:solidFill>
-              </a:rPr>
-              <a:t>4</a:t>
-            </a:r>
-            <a:r>
-              <a:rPr lang="en-US" sz="5400" b="1" dirty="0" smtClean="0">
-                <a:solidFill>
-                  <a:srgbClr val="002060"/>
-                </a:solidFill>
-              </a:rPr>
-              <a:t>.</a:t>
-            </a:r>
-            <a:endParaRPr lang="en-US" sz="5400" b="1" dirty="0">
-              <a:solidFill>
-                <a:srgbClr val="002060"/>
-              </a:solidFill>
-            </a:endParaRPr>
-          </a:p>
-        </p:txBody>
-      </p:sp>
     </p:spTree>
     <p:extLst>
       <p:ext uri="{BB962C8B-B14F-4D97-AF65-F5344CB8AC3E}">
-        <p14:creationId xmlns:p14="http://schemas.microsoft.com/office/powerpoint/2010/main" val="1137378229"/>
+        <p14:creationId xmlns:p14="http://schemas.microsoft.com/office/powerpoint/2010/main" val="491029568"/>
       </p:ext>
     </p:extLst>
   </p:cSld>
   <p:clrMapOvr>
     <a:masterClrMapping/>
   </p:clrMapOvr>
+  <p:timing>
+    <p:tnLst>
+      <p:par>
+        <p:cTn id="1" dur="indefinite" restart="never" nodeType="tmRoot"/>
+      </p:par>
+    </p:tnLst>
+  </p:timing>
 </p:sld>
 </file>
 
@@ -5229,54 +5498,57 @@
       </p:grpSpPr>
       <p:sp>
         <p:nvSpPr>
-          <p:cNvPr id="4" name="Title 3"/>
-          <p:cNvSpPr>
-            <a:spLocks noGrp="1"/>
-          </p:cNvSpPr>
-          <p:nvPr>
-            <p:ph type="title"/>
-          </p:nvPr>
-        </p:nvSpPr>
-        <p:spPr/>
-        <p:txBody>
-          <a:bodyPr>
+          <p:cNvPr id="5" name="內容版面配置區 4"/>
+          <p:cNvSpPr>
+            <a:spLocks noGrp="1"/>
+          </p:cNvSpPr>
+          <p:nvPr>
+            <p:ph idx="1"/>
+          </p:nvPr>
+        </p:nvSpPr>
+        <p:spPr>
+          <a:xfrm>
+            <a:off x="0" y="2084851"/>
+            <a:ext cx="12192000" cy="2404863"/>
+          </a:xfrm>
+        </p:spPr>
+        <p:txBody>
+          <a:bodyPr anchor="ctr">
             <a:normAutofit/>
           </a:bodyPr>
           <a:lstStyle/>
           <a:p>
-            <a:r>
-              <a:rPr lang="en-US" altLang="zh-CN" sz="4800" b="1" dirty="0">
-                <a:solidFill>
-                  <a:srgbClr val="002060"/>
+            <a:pPr marL="0" indent="0" algn="ctr">
+              <a:buNone/>
+            </a:pPr>
+            <a:r>
+              <a:rPr lang="zh-TW" altLang="en-US" sz="6400" b="1" dirty="0">
+                <a:solidFill>
+                  <a:srgbClr val="000066"/>
                 </a:solidFill>
                 <a:latin typeface="Microsoft JhengHei" panose="020B0604030504040204" pitchFamily="34" charset="-120"/>
                 <a:ea typeface="Microsoft JhengHei" panose="020B0604030504040204" pitchFamily="34" charset="-120"/>
               </a:rPr>
-              <a:t>【</a:t>
-            </a:r>
-            <a:r>
-              <a:rPr lang="zh-CN" altLang="en-US" sz="4800" b="1" dirty="0">
-                <a:solidFill>
-                  <a:srgbClr val="002060"/>
+              <a:t>全所有我獻與救主</a:t>
+            </a:r>
+          </a:p>
+          <a:p>
+            <a:pPr marL="0" indent="0" algn="ctr">
+              <a:buNone/>
+            </a:pPr>
+            <a:r>
+              <a:rPr lang="zh-TW" altLang="en-US" sz="6400" b="1" dirty="0">
+                <a:solidFill>
+                  <a:srgbClr val="000066"/>
                 </a:solidFill>
                 <a:latin typeface="Microsoft JhengHei" panose="020B0604030504040204" pitchFamily="34" charset="-120"/>
                 <a:ea typeface="Microsoft JhengHei" panose="020B0604030504040204" pitchFamily="34" charset="-120"/>
               </a:rPr>
-              <a:t>完全奉獻</a:t>
-            </a:r>
-            <a:r>
-              <a:rPr lang="en-US" altLang="zh-CN" sz="4800" b="1" dirty="0">
-                <a:solidFill>
-                  <a:srgbClr val="002060"/>
-                </a:solidFill>
-                <a:latin typeface="Microsoft JhengHei" panose="020B0604030504040204" pitchFamily="34" charset="-120"/>
-                <a:ea typeface="Microsoft JhengHei" panose="020B0604030504040204" pitchFamily="34" charset="-120"/>
-              </a:rPr>
-              <a:t>】</a:t>
-            </a:r>
-            <a:endParaRPr lang="zh-CN" altLang="en-US" sz="4800" b="1" dirty="0">
+              <a:t>使我完全屬耶穌</a:t>
+            </a:r>
+            <a:endParaRPr lang="zh-TW" altLang="en-US" sz="6400" b="1" dirty="0">
               <a:solidFill>
-                <a:srgbClr val="002060"/>
+                <a:srgbClr val="000066"/>
               </a:solidFill>
               <a:latin typeface="Microsoft JhengHei" panose="020B0604030504040204" pitchFamily="34" charset="-120"/>
               <a:ea typeface="Microsoft JhengHei" panose="020B0604030504040204" pitchFamily="34" charset="-120"/>
@@ -5286,92 +5558,62 @@
       </p:sp>
       <p:sp>
         <p:nvSpPr>
-          <p:cNvPr id="5" name="Content Placeholder 4"/>
-          <p:cNvSpPr>
-            <a:spLocks noGrp="1"/>
-          </p:cNvSpPr>
-          <p:nvPr>
-            <p:ph idx="1"/>
-          </p:nvPr>
-        </p:nvSpPr>
-        <p:spPr/>
-        <p:txBody>
-          <a:bodyPr>
-            <a:normAutofit/>
+          <p:cNvPr id="3" name="TextBox 2"/>
+          <p:cNvSpPr txBox="1"/>
+          <p:nvPr/>
+        </p:nvSpPr>
+        <p:spPr>
+          <a:xfrm>
+            <a:off x="0" y="5061182"/>
+            <a:ext cx="12192000" cy="830997"/>
+          </a:xfrm>
+          <a:prstGeom prst="rect">
+            <a:avLst/>
+          </a:prstGeom>
+          <a:noFill/>
+        </p:spPr>
+        <p:txBody>
+          <a:bodyPr wrap="square" rtlCol="0">
+            <a:spAutoFit/>
           </a:bodyPr>
           <a:lstStyle/>
           <a:p>
-            <a:pPr marL="0" indent="0" algn="ctr">
-              <a:buNone/>
-            </a:pPr>
-            <a:r>
-              <a:rPr lang="zh-TW" altLang="en-US" sz="5400" b="1" dirty="0">
-                <a:solidFill>
-                  <a:srgbClr val="002060"/>
-                </a:solidFill>
-                <a:latin typeface="Microsoft JhengHei" panose="020B0604030504040204" pitchFamily="34" charset="-120"/>
-                <a:ea typeface="Microsoft JhengHei" panose="020B0604030504040204" pitchFamily="34" charset="-120"/>
+            <a:pPr algn="ctr"/>
+            <a:r>
+              <a:rPr lang="en-US" sz="4800" b="1" dirty="0">
+                <a:solidFill>
+                  <a:srgbClr val="000066"/>
+                </a:solidFill>
+                <a:effectLst/>
               </a:rPr>
-              <a:t>全所有奉獻</a:t>
-            </a:r>
-          </a:p>
-          <a:p>
-            <a:pPr marL="0" indent="0" algn="ctr">
-              <a:buNone/>
-            </a:pPr>
-            <a:r>
-              <a:rPr lang="zh-TW" altLang="en-US" sz="5400" b="1" dirty="0">
-                <a:solidFill>
-                  <a:srgbClr val="002060"/>
-                </a:solidFill>
-                <a:latin typeface="Microsoft JhengHei" panose="020B0604030504040204" pitchFamily="34" charset="-120"/>
-                <a:ea typeface="Microsoft JhengHei" panose="020B0604030504040204" pitchFamily="34" charset="-120"/>
-              </a:rPr>
-              <a:t>全所有奉獻</a:t>
-            </a:r>
-          </a:p>
-          <a:p>
-            <a:pPr marL="0" indent="0" algn="ctr">
-              <a:buNone/>
-            </a:pPr>
-            <a:r>
-              <a:rPr lang="zh-TW" altLang="en-US" sz="5400" b="1" dirty="0">
-                <a:solidFill>
-                  <a:srgbClr val="002060"/>
-                </a:solidFill>
-                <a:latin typeface="Microsoft JhengHei" panose="020B0604030504040204" pitchFamily="34" charset="-120"/>
-                <a:ea typeface="Microsoft JhengHei" panose="020B0604030504040204" pitchFamily="34" charset="-120"/>
-              </a:rPr>
-              <a:t>獻與愛我尊貴救主</a:t>
-            </a:r>
-          </a:p>
-          <a:p>
-            <a:pPr marL="0" indent="0" algn="ctr">
-              <a:buNone/>
-            </a:pPr>
-            <a:r>
-              <a:rPr lang="zh-TW" altLang="en-US" sz="5400" b="1" dirty="0">
-                <a:solidFill>
-                  <a:srgbClr val="002060"/>
-                </a:solidFill>
-                <a:latin typeface="Microsoft JhengHei" panose="020B0604030504040204" pitchFamily="34" charset="-120"/>
-                <a:ea typeface="Microsoft JhengHei" panose="020B0604030504040204" pitchFamily="34" charset="-120"/>
-              </a:rPr>
-              <a:t>全所有奉獻 </a:t>
-            </a:r>
+              <a:t>( 3 )</a:t>
+            </a:r>
+            <a:endParaRPr lang="vi-VN" sz="4800" b="1" dirty="0">
+              <a:solidFill>
+                <a:srgbClr val="000066"/>
+              </a:solidFill>
+              <a:effectLst/>
+            </a:endParaRPr>
           </a:p>
         </p:txBody>
       </p:sp>
     </p:spTree>
     <p:extLst>
       <p:ext uri="{BB962C8B-B14F-4D97-AF65-F5344CB8AC3E}">
-        <p14:creationId xmlns:p14="http://schemas.microsoft.com/office/powerpoint/2010/main" val="1518943352"/>
+        <p14:creationId xmlns:p14="http://schemas.microsoft.com/office/powerpoint/2010/main" val="1234223286"/>
       </p:ext>
     </p:extLst>
   </p:cSld>
   <p:clrMapOvr>
     <a:masterClrMapping/>
   </p:clrMapOvr>
+  <p:timing>
+    <p:tnLst>
+      <p:par>
+        <p:cTn id="1" dur="indefinite" restart="never" nodeType="tmRoot"/>
+      </p:par>
+    </p:tnLst>
+  </p:timing>
 </p:sld>
 </file>
 
@@ -5394,54 +5636,57 @@
       </p:grpSpPr>
       <p:sp>
         <p:nvSpPr>
-          <p:cNvPr id="4" name="Title 3"/>
-          <p:cNvSpPr>
-            <a:spLocks noGrp="1"/>
-          </p:cNvSpPr>
-          <p:nvPr>
-            <p:ph type="title"/>
-          </p:nvPr>
-        </p:nvSpPr>
-        <p:spPr/>
-        <p:txBody>
-          <a:bodyPr>
+          <p:cNvPr id="5" name="內容版面配置區 4"/>
+          <p:cNvSpPr>
+            <a:spLocks noGrp="1"/>
+          </p:cNvSpPr>
+          <p:nvPr>
+            <p:ph idx="1"/>
+          </p:nvPr>
+        </p:nvSpPr>
+        <p:spPr>
+          <a:xfrm>
+            <a:off x="0" y="2084851"/>
+            <a:ext cx="12192000" cy="2404863"/>
+          </a:xfrm>
+        </p:spPr>
+        <p:txBody>
+          <a:bodyPr anchor="ctr">
             <a:normAutofit/>
           </a:bodyPr>
           <a:lstStyle/>
           <a:p>
-            <a:r>
-              <a:rPr lang="en-US" altLang="zh-CN" sz="4800" b="1" dirty="0">
-                <a:solidFill>
-                  <a:srgbClr val="002060"/>
+            <a:pPr marL="0" indent="0" algn="ctr">
+              <a:buNone/>
+            </a:pPr>
+            <a:r>
+              <a:rPr lang="zh-TW" altLang="en-US" sz="6400" b="1" dirty="0">
+                <a:solidFill>
+                  <a:srgbClr val="000066"/>
                 </a:solidFill>
                 <a:latin typeface="Microsoft JhengHei" panose="020B0604030504040204" pitchFamily="34" charset="-120"/>
                 <a:ea typeface="Microsoft JhengHei" panose="020B0604030504040204" pitchFamily="34" charset="-120"/>
               </a:rPr>
-              <a:t>【</a:t>
-            </a:r>
-            <a:r>
-              <a:rPr lang="zh-CN" altLang="en-US" sz="4800" b="1" dirty="0">
-                <a:solidFill>
-                  <a:srgbClr val="002060"/>
+              <a:t>求主聖靈向我證明</a:t>
+            </a:r>
+          </a:p>
+          <a:p>
+            <a:pPr marL="0" indent="0" algn="ctr">
+              <a:buNone/>
+            </a:pPr>
+            <a:r>
+              <a:rPr lang="zh-TW" altLang="en-US" sz="6400" b="1" dirty="0">
+                <a:solidFill>
+                  <a:srgbClr val="000066"/>
                 </a:solidFill>
                 <a:latin typeface="Microsoft JhengHei" panose="020B0604030504040204" pitchFamily="34" charset="-120"/>
                 <a:ea typeface="Microsoft JhengHei" panose="020B0604030504040204" pitchFamily="34" charset="-120"/>
               </a:rPr>
-              <a:t>完全奉獻</a:t>
-            </a:r>
-            <a:r>
-              <a:rPr lang="en-US" altLang="zh-CN" sz="4800" b="1" dirty="0">
-                <a:solidFill>
-                  <a:srgbClr val="002060"/>
-                </a:solidFill>
-                <a:latin typeface="Microsoft JhengHei" panose="020B0604030504040204" pitchFamily="34" charset="-120"/>
-                <a:ea typeface="Microsoft JhengHei" panose="020B0604030504040204" pitchFamily="34" charset="-120"/>
-              </a:rPr>
-              <a:t>】</a:t>
-            </a:r>
-            <a:endParaRPr lang="zh-CN" altLang="en-US" sz="4800" b="1" dirty="0">
+              <a:t>主屬我我屬乎主</a:t>
+            </a:r>
+            <a:endParaRPr lang="zh-TW" altLang="en-US" sz="6400" b="1" dirty="0">
               <a:solidFill>
-                <a:srgbClr val="002060"/>
+                <a:srgbClr val="000066"/>
               </a:solidFill>
               <a:latin typeface="Microsoft JhengHei" panose="020B0604030504040204" pitchFamily="34" charset="-120"/>
               <a:ea typeface="Microsoft JhengHei" panose="020B0604030504040204" pitchFamily="34" charset="-120"/>
@@ -5451,121 +5696,41 @@
       </p:sp>
       <p:sp>
         <p:nvSpPr>
-          <p:cNvPr id="5" name="Content Placeholder 4"/>
-          <p:cNvSpPr>
-            <a:spLocks noGrp="1"/>
-          </p:cNvSpPr>
-          <p:nvPr>
-            <p:ph idx="1"/>
-          </p:nvPr>
-        </p:nvSpPr>
-        <p:spPr/>
-        <p:txBody>
-          <a:bodyPr>
-            <a:normAutofit/>
-          </a:bodyPr>
-          <a:lstStyle/>
-          <a:p>
-            <a:pPr marL="0" indent="0" algn="ctr">
-              <a:buNone/>
-            </a:pPr>
-            <a:r>
-              <a:rPr lang="zh-TW" altLang="en-US" sz="5400" b="1" dirty="0">
-                <a:solidFill>
-                  <a:srgbClr val="002060"/>
-                </a:solidFill>
-                <a:latin typeface="Microsoft JhengHei" panose="020B0604030504040204" pitchFamily="34" charset="-120"/>
-                <a:ea typeface="Microsoft JhengHei" panose="020B0604030504040204" pitchFamily="34" charset="-120"/>
-              </a:rPr>
-              <a:t>全所有 我獻與耶穌</a:t>
-            </a:r>
-          </a:p>
-          <a:p>
-            <a:pPr marL="0" indent="0" algn="ctr">
-              <a:buNone/>
-            </a:pPr>
-            <a:r>
-              <a:rPr lang="zh-TW" altLang="en-US" sz="5400" b="1" dirty="0">
-                <a:solidFill>
-                  <a:srgbClr val="002060"/>
-                </a:solidFill>
-                <a:latin typeface="Microsoft JhengHei" panose="020B0604030504040204" pitchFamily="34" charset="-120"/>
-                <a:ea typeface="Microsoft JhengHei" panose="020B0604030504040204" pitchFamily="34" charset="-120"/>
-              </a:rPr>
-              <a:t>靈魂身體都潔清</a:t>
-            </a:r>
-          </a:p>
-          <a:p>
-            <a:pPr marL="0" indent="0" algn="ctr">
-              <a:buNone/>
-            </a:pPr>
-            <a:r>
-              <a:rPr lang="zh-TW" altLang="en-US" sz="5400" b="1" dirty="0">
-                <a:solidFill>
-                  <a:srgbClr val="002060"/>
-                </a:solidFill>
-                <a:latin typeface="Microsoft JhengHei" panose="020B0604030504040204" pitchFamily="34" charset="-120"/>
-                <a:ea typeface="Microsoft JhengHei" panose="020B0604030504040204" pitchFamily="34" charset="-120"/>
-              </a:rPr>
-              <a:t>救恩喜樂何等光榮</a:t>
-            </a:r>
-          </a:p>
-          <a:p>
-            <a:pPr marL="0" indent="0" algn="ctr">
-              <a:buNone/>
-            </a:pPr>
-            <a:r>
-              <a:rPr lang="zh-TW" altLang="en-US" sz="5400" b="1" dirty="0">
-                <a:solidFill>
-                  <a:srgbClr val="002060"/>
-                </a:solidFill>
-                <a:latin typeface="Microsoft JhengHei" panose="020B0604030504040204" pitchFamily="34" charset="-120"/>
-                <a:ea typeface="Microsoft JhengHei" panose="020B0604030504040204" pitchFamily="34" charset="-120"/>
-              </a:rPr>
-              <a:t>榮耀榮耀歸主名</a:t>
-            </a:r>
-          </a:p>
-        </p:txBody>
-      </p:sp>
-      <p:sp>
-        <p:nvSpPr>
-          <p:cNvPr id="6" name="Text Box 1"/>
+          <p:cNvPr id="3" name="TextBox 2"/>
           <p:cNvSpPr txBox="1"/>
           <p:nvPr/>
         </p:nvSpPr>
         <p:spPr>
           <a:xfrm>
-            <a:off x="1415480" y="1700808"/>
-            <a:ext cx="911424" cy="923330"/>
+            <a:off x="0" y="5061182"/>
+            <a:ext cx="12192000" cy="830997"/>
           </a:xfrm>
           <a:prstGeom prst="rect">
             <a:avLst/>
           </a:prstGeom>
           <a:noFill/>
-          <a:ln w="9525">
-            <a:noFill/>
-            <a:miter lim="800000"/>
-          </a:ln>
         </p:spPr>
         <p:txBody>
-          <a:bodyPr wrap="square">
+          <a:bodyPr wrap="square" rtlCol="0">
             <a:spAutoFit/>
           </a:bodyPr>
           <a:lstStyle/>
           <a:p>
             <a:pPr algn="ctr"/>
             <a:r>
-              <a:rPr lang="en-US" sz="5400" b="1" dirty="0" smtClean="0">
-                <a:solidFill>
-                  <a:srgbClr val="002060"/>
-                </a:solidFill>
+              <a:rPr lang="en-US" sz="4800" b="1" dirty="0">
+                <a:solidFill>
+                  <a:srgbClr val="000066"/>
+                </a:solidFill>
+                <a:effectLst/>
               </a:rPr>
-              <a:t>5.</a:t>
-            </a:r>
-            <a:endParaRPr lang="en-US" sz="5400" b="1" dirty="0">
+              <a:t>( 3 )</a:t>
+            </a:r>
+            <a:endParaRPr lang="vi-VN" sz="4800" b="1" dirty="0">
               <a:solidFill>
-                <a:srgbClr val="002060"/>
+                <a:srgbClr val="000066"/>
               </a:solidFill>
+              <a:effectLst/>
             </a:endParaRPr>
           </a:p>
         </p:txBody>
@@ -5573,13 +5738,20 @@
     </p:spTree>
     <p:extLst>
       <p:ext uri="{BB962C8B-B14F-4D97-AF65-F5344CB8AC3E}">
-        <p14:creationId xmlns:p14="http://schemas.microsoft.com/office/powerpoint/2010/main" val="2901082263"/>
+        <p14:creationId xmlns:p14="http://schemas.microsoft.com/office/powerpoint/2010/main" val="3288868828"/>
       </p:ext>
     </p:extLst>
   </p:cSld>
   <p:clrMapOvr>
     <a:masterClrMapping/>
   </p:clrMapOvr>
+  <p:timing>
+    <p:tnLst>
+      <p:par>
+        <p:cTn id="1" dur="indefinite" restart="never" nodeType="tmRoot"/>
+      </p:par>
+    </p:tnLst>
+  </p:timing>
 </p:sld>
 </file>
 

--- a/宣道詩/(宣道詩158) 完全奉獻.pptx
+++ b/宣道詩/(宣道詩158) 完全奉獻.pptx
@@ -3834,24 +3834,7 @@
                 <a:latin typeface="微軟正黑體" pitchFamily="34" charset="-120"/>
                 <a:ea typeface="微軟正黑體" pitchFamily="34" charset="-120"/>
               </a:rPr>
-              <a:t>完</a:t>
-            </a:r>
-            <a:r>
-              <a:rPr lang="zh-CN" altLang="en-US" sz="8000" b="1" dirty="0">
-                <a:solidFill>
-                  <a:srgbClr val="000066"/>
-                </a:solidFill>
-                <a:effectLst>
-                  <a:outerShdw blurRad="38100" dist="38100" dir="2700000" algn="tl">
-                    <a:srgbClr val="000000">
-                      <a:alpha val="43137"/>
-                    </a:srgbClr>
-                  </a:outerShdw>
-                </a:effectLst>
-                <a:latin typeface="微軟正黑體" pitchFamily="34" charset="-120"/>
-                <a:ea typeface="微軟正黑體" pitchFamily="34" charset="-120"/>
-              </a:rPr>
-              <a:t>全奉獻</a:t>
+              <a:t>完全奉獻</a:t>
             </a:r>
             <a:endParaRPr lang="zh-TW" altLang="en-US" sz="8000" b="1" dirty="0">
               <a:solidFill>
@@ -3957,13 +3940,6 @@
               </a:rPr>
               <a:t>獻與愛我尊貴救主  全所有奉獻 </a:t>
             </a:r>
-            <a:endParaRPr lang="zh-TW" altLang="en-US" sz="6400" b="1" dirty="0">
-              <a:solidFill>
-                <a:srgbClr val="000066"/>
-              </a:solidFill>
-              <a:latin typeface="Microsoft JhengHei" panose="020B0604030504040204" pitchFamily="34" charset="-120"/>
-              <a:ea typeface="Microsoft JhengHei" panose="020B0604030504040204" pitchFamily="34" charset="-120"/>
-            </a:endParaRPr>
           </a:p>
         </p:txBody>
       </p:sp>
@@ -4054,13 +4030,6 @@
               </a:rPr>
               <a:t>主歟我今獻與你</a:t>
             </a:r>
-            <a:endParaRPr lang="zh-TW" altLang="en-US" sz="6400" b="1" dirty="0">
-              <a:solidFill>
-                <a:srgbClr val="000066"/>
-              </a:solidFill>
-              <a:latin typeface="Microsoft JhengHei" panose="020B0604030504040204" pitchFamily="34" charset="-120"/>
-              <a:ea typeface="Microsoft JhengHei" panose="020B0604030504040204" pitchFamily="34" charset="-120"/>
-            </a:endParaRPr>
           </a:p>
         </p:txBody>
       </p:sp>
@@ -4073,7 +4042,7 @@
         <p:spPr>
           <a:xfrm>
             <a:off x="0" y="5061182"/>
-            <a:ext cx="12192000" cy="830997"/>
+            <a:ext cx="12192000" cy="707886"/>
           </a:xfrm>
           <a:prstGeom prst="rect">
             <a:avLst/>
@@ -4088,19 +4057,37 @@
           <a:p>
             <a:pPr algn="ctr"/>
             <a:r>
-              <a:rPr lang="en-US" sz="4800" b="1" dirty="0">
+              <a:rPr lang="en-US" sz="4000" b="1" dirty="0">
                 <a:solidFill>
                   <a:srgbClr val="000066"/>
                 </a:solidFill>
-                <a:effectLst/>
+                <a:latin typeface="+mn-lt"/>
               </a:rPr>
-              <a:t>( 4 )</a:t>
-            </a:r>
-            <a:endParaRPr lang="vi-VN" sz="4800" b="1" dirty="0">
+              <a:t>( </a:t>
+            </a:r>
+            <a:r>
+              <a:rPr lang="en-US" sz="4000" b="1" dirty="0">
+                <a:solidFill>
+                  <a:srgbClr val="000066"/>
+                </a:solidFill>
+                <a:latin typeface="+mn-lt"/>
+              </a:rPr>
+              <a:t>4 </a:t>
+            </a:r>
+            <a:r>
+              <a:rPr lang="en-US" sz="4000" b="1" dirty="0">
+                <a:solidFill>
+                  <a:srgbClr val="000066"/>
+                </a:solidFill>
+                <a:latin typeface="+mn-lt"/>
+              </a:rPr>
+              <a:t>/ 5 )</a:t>
+            </a:r>
+            <a:endParaRPr lang="vi-VN" sz="4000" b="1" dirty="0">
               <a:solidFill>
                 <a:srgbClr val="000066"/>
               </a:solidFill>
-              <a:effectLst/>
+              <a:latin typeface="+mn-lt"/>
             </a:endParaRPr>
           </a:p>
         </p:txBody>
@@ -4192,13 +4179,6 @@
               </a:rPr>
               <a:t>賜我智慧與能力</a:t>
             </a:r>
-            <a:endParaRPr lang="zh-TW" altLang="en-US" sz="6400" b="1" dirty="0">
-              <a:solidFill>
-                <a:srgbClr val="000066"/>
-              </a:solidFill>
-              <a:latin typeface="Microsoft JhengHei" panose="020B0604030504040204" pitchFamily="34" charset="-120"/>
-              <a:ea typeface="Microsoft JhengHei" panose="020B0604030504040204" pitchFamily="34" charset="-120"/>
-            </a:endParaRPr>
           </a:p>
         </p:txBody>
       </p:sp>
@@ -4211,7 +4191,7 @@
         <p:spPr>
           <a:xfrm>
             <a:off x="0" y="5061182"/>
-            <a:ext cx="12192000" cy="830997"/>
+            <a:ext cx="12192000" cy="707886"/>
           </a:xfrm>
           <a:prstGeom prst="rect">
             <a:avLst/>
@@ -4226,19 +4206,19 @@
           <a:p>
             <a:pPr algn="ctr"/>
             <a:r>
-              <a:rPr lang="en-US" sz="4800" b="1" dirty="0">
+              <a:rPr lang="en-US" sz="4000" b="1" dirty="0">
                 <a:solidFill>
                   <a:srgbClr val="000066"/>
                 </a:solidFill>
-                <a:effectLst/>
+                <a:latin typeface="+mn-lt"/>
               </a:rPr>
-              <a:t>( 4 )</a:t>
-            </a:r>
-            <a:endParaRPr lang="vi-VN" sz="4800" b="1" dirty="0">
+              <a:t>( 4 / 5 )</a:t>
+            </a:r>
+            <a:endParaRPr lang="vi-VN" sz="4000" b="1" dirty="0">
               <a:solidFill>
                 <a:srgbClr val="000066"/>
               </a:solidFill>
-              <a:effectLst/>
+              <a:latin typeface="+mn-lt"/>
             </a:endParaRPr>
           </a:p>
         </p:txBody>
@@ -4330,13 +4310,6 @@
               </a:rPr>
               <a:t>獻與愛我尊貴救主  全所有奉獻 </a:t>
             </a:r>
-            <a:endParaRPr lang="zh-TW" altLang="en-US" sz="6400" b="1" dirty="0">
-              <a:solidFill>
-                <a:srgbClr val="000066"/>
-              </a:solidFill>
-              <a:latin typeface="Microsoft JhengHei" panose="020B0604030504040204" pitchFamily="34" charset="-120"/>
-              <a:ea typeface="Microsoft JhengHei" panose="020B0604030504040204" pitchFamily="34" charset="-120"/>
-            </a:endParaRPr>
           </a:p>
         </p:txBody>
       </p:sp>
@@ -4427,13 +4400,6 @@
               </a:rPr>
               <a:t>靈魂身體都潔清</a:t>
             </a:r>
-            <a:endParaRPr lang="zh-TW" altLang="en-US" sz="6400" b="1" dirty="0">
-              <a:solidFill>
-                <a:srgbClr val="000066"/>
-              </a:solidFill>
-              <a:latin typeface="Microsoft JhengHei" panose="020B0604030504040204" pitchFamily="34" charset="-120"/>
-              <a:ea typeface="Microsoft JhengHei" panose="020B0604030504040204" pitchFamily="34" charset="-120"/>
-            </a:endParaRPr>
           </a:p>
         </p:txBody>
       </p:sp>
@@ -4446,7 +4412,7 @@
         <p:spPr>
           <a:xfrm>
             <a:off x="0" y="5061182"/>
-            <a:ext cx="12192000" cy="830997"/>
+            <a:ext cx="12192000" cy="707886"/>
           </a:xfrm>
           <a:prstGeom prst="rect">
             <a:avLst/>
@@ -4461,19 +4427,37 @@
           <a:p>
             <a:pPr algn="ctr"/>
             <a:r>
-              <a:rPr lang="en-US" sz="4800" b="1" dirty="0">
+              <a:rPr lang="en-US" sz="4000" b="1" dirty="0">
                 <a:solidFill>
                   <a:srgbClr val="000066"/>
                 </a:solidFill>
-                <a:effectLst/>
+                <a:latin typeface="+mn-lt"/>
               </a:rPr>
-              <a:t>( 5 )</a:t>
-            </a:r>
-            <a:endParaRPr lang="vi-VN" sz="4800" b="1" dirty="0">
+              <a:t>( </a:t>
+            </a:r>
+            <a:r>
+              <a:rPr lang="en-US" sz="4000" b="1" dirty="0">
+                <a:solidFill>
+                  <a:srgbClr val="000066"/>
+                </a:solidFill>
+                <a:latin typeface="+mn-lt"/>
+              </a:rPr>
+              <a:t>5 </a:t>
+            </a:r>
+            <a:r>
+              <a:rPr lang="en-US" sz="4000" b="1" dirty="0">
+                <a:solidFill>
+                  <a:srgbClr val="000066"/>
+                </a:solidFill>
+                <a:latin typeface="+mn-lt"/>
+              </a:rPr>
+              <a:t>/ 5 )</a:t>
+            </a:r>
+            <a:endParaRPr lang="vi-VN" sz="4000" b="1" dirty="0">
               <a:solidFill>
                 <a:srgbClr val="000066"/>
               </a:solidFill>
-              <a:effectLst/>
+              <a:latin typeface="+mn-lt"/>
             </a:endParaRPr>
           </a:p>
         </p:txBody>
@@ -4565,13 +4549,6 @@
               </a:rPr>
               <a:t>榮耀榮耀歸主名</a:t>
             </a:r>
-            <a:endParaRPr lang="zh-TW" altLang="en-US" sz="6400" b="1" dirty="0">
-              <a:solidFill>
-                <a:srgbClr val="000066"/>
-              </a:solidFill>
-              <a:latin typeface="Microsoft JhengHei" panose="020B0604030504040204" pitchFamily="34" charset="-120"/>
-              <a:ea typeface="Microsoft JhengHei" panose="020B0604030504040204" pitchFamily="34" charset="-120"/>
-            </a:endParaRPr>
           </a:p>
         </p:txBody>
       </p:sp>
@@ -4584,7 +4561,7 @@
         <p:spPr>
           <a:xfrm>
             <a:off x="0" y="5061182"/>
-            <a:ext cx="12192000" cy="830997"/>
+            <a:ext cx="12192000" cy="707886"/>
           </a:xfrm>
           <a:prstGeom prst="rect">
             <a:avLst/>
@@ -4599,19 +4576,19 @@
           <a:p>
             <a:pPr algn="ctr"/>
             <a:r>
-              <a:rPr lang="en-US" sz="4800" b="1" dirty="0">
+              <a:rPr lang="en-US" sz="4000" b="1" dirty="0">
                 <a:solidFill>
                   <a:srgbClr val="000066"/>
                 </a:solidFill>
-                <a:effectLst/>
+                <a:latin typeface="+mn-lt"/>
               </a:rPr>
-              <a:t>( 5 )</a:t>
-            </a:r>
-            <a:endParaRPr lang="vi-VN" sz="4800" b="1" dirty="0">
+              <a:t>( 5 / 5 )</a:t>
+            </a:r>
+            <a:endParaRPr lang="vi-VN" sz="4000" b="1" dirty="0">
               <a:solidFill>
                 <a:srgbClr val="000066"/>
               </a:solidFill>
-              <a:effectLst/>
+              <a:latin typeface="+mn-lt"/>
             </a:endParaRPr>
           </a:p>
         </p:txBody>
@@ -4703,13 +4680,6 @@
               </a:rPr>
               <a:t>獻與愛我尊貴救主  全所有奉獻 </a:t>
             </a:r>
-            <a:endParaRPr lang="zh-TW" altLang="en-US" sz="6400" b="1" dirty="0">
-              <a:solidFill>
-                <a:srgbClr val="000066"/>
-              </a:solidFill>
-              <a:latin typeface="Microsoft JhengHei" panose="020B0604030504040204" pitchFamily="34" charset="-120"/>
-              <a:ea typeface="Microsoft JhengHei" panose="020B0604030504040204" pitchFamily="34" charset="-120"/>
-            </a:endParaRPr>
           </a:p>
         </p:txBody>
       </p:sp>
@@ -4800,13 +4770,6 @@
               </a:rPr>
               <a:t>全所有我歡喜獻</a:t>
             </a:r>
-            <a:endParaRPr lang="zh-TW" altLang="en-US" sz="6400" b="1" dirty="0">
-              <a:solidFill>
-                <a:srgbClr val="000066"/>
-              </a:solidFill>
-              <a:latin typeface="Microsoft JhengHei" panose="020B0604030504040204" pitchFamily="34" charset="-120"/>
-              <a:ea typeface="Microsoft JhengHei" panose="020B0604030504040204" pitchFamily="34" charset="-120"/>
-            </a:endParaRPr>
           </a:p>
         </p:txBody>
       </p:sp>
@@ -4819,7 +4782,7 @@
         <p:spPr>
           <a:xfrm>
             <a:off x="0" y="5061182"/>
-            <a:ext cx="12192000" cy="830997"/>
+            <a:ext cx="12192000" cy="707886"/>
           </a:xfrm>
           <a:prstGeom prst="rect">
             <a:avLst/>
@@ -4834,19 +4797,41 @@
           <a:p>
             <a:pPr algn="ctr"/>
             <a:r>
-              <a:rPr lang="en-US" sz="4800" b="1" dirty="0">
+              <a:rPr lang="en-US" sz="4000" b="1" dirty="0">
                 <a:solidFill>
                   <a:srgbClr val="000066"/>
                 </a:solidFill>
                 <a:effectLst/>
+                <a:latin typeface="+mn-lt"/>
               </a:rPr>
-              <a:t>( 1 )</a:t>
-            </a:r>
-            <a:endParaRPr lang="vi-VN" sz="4800" b="1" dirty="0">
+              <a:t>( </a:t>
+            </a:r>
+            <a:r>
+              <a:rPr lang="en-US" sz="4000" b="1" dirty="0" smtClean="0">
+                <a:solidFill>
+                  <a:srgbClr val="000066"/>
+                </a:solidFill>
+                <a:effectLst/>
+                <a:latin typeface="+mn-lt"/>
+              </a:rPr>
+              <a:t>1 / 5 </a:t>
+            </a:r>
+            <a:r>
+              <a:rPr lang="en-US" sz="4000" b="1" dirty="0">
+                <a:solidFill>
+                  <a:srgbClr val="000066"/>
+                </a:solidFill>
+                <a:effectLst/>
+                <a:latin typeface="+mn-lt"/>
+              </a:rPr>
+              <a:t>)</a:t>
+            </a:r>
+            <a:endParaRPr lang="vi-VN" sz="4000" b="1" dirty="0">
               <a:solidFill>
                 <a:srgbClr val="000066"/>
               </a:solidFill>
               <a:effectLst/>
+              <a:latin typeface="+mn-lt"/>
             </a:endParaRPr>
           </a:p>
         </p:txBody>
@@ -4938,13 +4923,6 @@
               </a:rPr>
               <a:t>與主相親至永遠</a:t>
             </a:r>
-            <a:endParaRPr lang="zh-TW" altLang="en-US" sz="6400" b="1" dirty="0">
-              <a:solidFill>
-                <a:srgbClr val="000066"/>
-              </a:solidFill>
-              <a:latin typeface="Microsoft JhengHei" panose="020B0604030504040204" pitchFamily="34" charset="-120"/>
-              <a:ea typeface="Microsoft JhengHei" panose="020B0604030504040204" pitchFamily="34" charset="-120"/>
-            </a:endParaRPr>
           </a:p>
         </p:txBody>
       </p:sp>
@@ -4957,7 +4935,7 @@
         <p:spPr>
           <a:xfrm>
             <a:off x="0" y="5061182"/>
-            <a:ext cx="12192000" cy="830997"/>
+            <a:ext cx="12192000" cy="707886"/>
           </a:xfrm>
           <a:prstGeom prst="rect">
             <a:avLst/>
@@ -4972,19 +4950,19 @@
           <a:p>
             <a:pPr algn="ctr"/>
             <a:r>
-              <a:rPr lang="en-US" sz="4800" b="1" dirty="0">
+              <a:rPr lang="en-US" sz="4000" b="1" dirty="0">
                 <a:solidFill>
                   <a:srgbClr val="000066"/>
                 </a:solidFill>
-                <a:effectLst/>
+                <a:latin typeface="+mn-lt"/>
               </a:rPr>
-              <a:t>( 1 )</a:t>
-            </a:r>
-            <a:endParaRPr lang="vi-VN" sz="4800" b="1" dirty="0">
+              <a:t>( 1 / 5 )</a:t>
+            </a:r>
+            <a:endParaRPr lang="vi-VN" sz="4000" b="1" dirty="0">
               <a:solidFill>
                 <a:srgbClr val="000066"/>
               </a:solidFill>
-              <a:effectLst/>
+              <a:latin typeface="+mn-lt"/>
             </a:endParaRPr>
           </a:p>
         </p:txBody>
@@ -5076,13 +5054,6 @@
               </a:rPr>
               <a:t>獻與愛我尊貴救主  全所有奉獻 </a:t>
             </a:r>
-            <a:endParaRPr lang="zh-TW" altLang="en-US" sz="6400" b="1" dirty="0">
-              <a:solidFill>
-                <a:srgbClr val="000066"/>
-              </a:solidFill>
-              <a:latin typeface="Microsoft JhengHei" panose="020B0604030504040204" pitchFamily="34" charset="-120"/>
-              <a:ea typeface="Microsoft JhengHei" panose="020B0604030504040204" pitchFamily="34" charset="-120"/>
-            </a:endParaRPr>
           </a:p>
         </p:txBody>
       </p:sp>
@@ -5173,13 +5144,6 @@
               </a:rPr>
               <a:t>主的脚下我歸依</a:t>
             </a:r>
-            <a:endParaRPr lang="zh-TW" altLang="en-US" sz="6400" b="1" dirty="0">
-              <a:solidFill>
-                <a:srgbClr val="000066"/>
-              </a:solidFill>
-              <a:latin typeface="Microsoft JhengHei" panose="020B0604030504040204" pitchFamily="34" charset="-120"/>
-              <a:ea typeface="Microsoft JhengHei" panose="020B0604030504040204" pitchFamily="34" charset="-120"/>
-            </a:endParaRPr>
           </a:p>
         </p:txBody>
       </p:sp>
@@ -5192,7 +5156,7 @@
         <p:spPr>
           <a:xfrm>
             <a:off x="0" y="5061182"/>
-            <a:ext cx="12192000" cy="830997"/>
+            <a:ext cx="12192000" cy="707886"/>
           </a:xfrm>
           <a:prstGeom prst="rect">
             <a:avLst/>
@@ -5207,19 +5171,37 @@
           <a:p>
             <a:pPr algn="ctr"/>
             <a:r>
-              <a:rPr lang="en-US" sz="4800" b="1" dirty="0">
+              <a:rPr lang="en-US" sz="4000" b="1" dirty="0">
                 <a:solidFill>
                   <a:srgbClr val="000066"/>
                 </a:solidFill>
-                <a:effectLst/>
+                <a:latin typeface="+mn-lt"/>
               </a:rPr>
-              <a:t>( 2 )</a:t>
-            </a:r>
-            <a:endParaRPr lang="vi-VN" sz="4800" b="1" dirty="0">
+              <a:t>( </a:t>
+            </a:r>
+            <a:r>
+              <a:rPr lang="en-US" sz="4000" b="1" dirty="0">
+                <a:solidFill>
+                  <a:srgbClr val="000066"/>
+                </a:solidFill>
+                <a:latin typeface="+mn-lt"/>
+              </a:rPr>
+              <a:t>2 </a:t>
+            </a:r>
+            <a:r>
+              <a:rPr lang="en-US" sz="4000" b="1" dirty="0">
+                <a:solidFill>
+                  <a:srgbClr val="000066"/>
+                </a:solidFill>
+                <a:latin typeface="+mn-lt"/>
+              </a:rPr>
+              <a:t>/ 5 )</a:t>
+            </a:r>
+            <a:endParaRPr lang="vi-VN" sz="4000" b="1" dirty="0">
               <a:solidFill>
                 <a:srgbClr val="000066"/>
               </a:solidFill>
-              <a:effectLst/>
+              <a:latin typeface="+mn-lt"/>
             </a:endParaRPr>
           </a:p>
         </p:txBody>
@@ -5311,13 +5293,6 @@
               </a:rPr>
               <a:t>求主收我於現時</a:t>
             </a:r>
-            <a:endParaRPr lang="zh-TW" altLang="en-US" sz="6400" b="1" dirty="0">
-              <a:solidFill>
-                <a:srgbClr val="000066"/>
-              </a:solidFill>
-              <a:latin typeface="Microsoft JhengHei" panose="020B0604030504040204" pitchFamily="34" charset="-120"/>
-              <a:ea typeface="Microsoft JhengHei" panose="020B0604030504040204" pitchFamily="34" charset="-120"/>
-            </a:endParaRPr>
           </a:p>
         </p:txBody>
       </p:sp>
@@ -5330,7 +5305,7 @@
         <p:spPr>
           <a:xfrm>
             <a:off x="0" y="5061182"/>
-            <a:ext cx="12192000" cy="830997"/>
+            <a:ext cx="12192000" cy="707886"/>
           </a:xfrm>
           <a:prstGeom prst="rect">
             <a:avLst/>
@@ -5345,19 +5320,19 @@
           <a:p>
             <a:pPr algn="ctr"/>
             <a:r>
-              <a:rPr lang="en-US" sz="4800" b="1" dirty="0">
+              <a:rPr lang="en-US" sz="4000" b="1" dirty="0">
                 <a:solidFill>
                   <a:srgbClr val="000066"/>
                 </a:solidFill>
-                <a:effectLst/>
+                <a:latin typeface="+mn-lt"/>
               </a:rPr>
-              <a:t>( 2 )</a:t>
-            </a:r>
-            <a:endParaRPr lang="vi-VN" sz="4800" b="1" dirty="0">
+              <a:t>( 2 / 5 )</a:t>
+            </a:r>
+            <a:endParaRPr lang="vi-VN" sz="4000" b="1" dirty="0">
               <a:solidFill>
                 <a:srgbClr val="000066"/>
               </a:solidFill>
-              <a:effectLst/>
+              <a:latin typeface="+mn-lt"/>
             </a:endParaRPr>
           </a:p>
         </p:txBody>
@@ -5449,13 +5424,6 @@
               </a:rPr>
               <a:t>獻與愛我尊貴救主  全所有奉獻 </a:t>
             </a:r>
-            <a:endParaRPr lang="zh-TW" altLang="en-US" sz="6400" b="1" dirty="0">
-              <a:solidFill>
-                <a:srgbClr val="000066"/>
-              </a:solidFill>
-              <a:latin typeface="Microsoft JhengHei" panose="020B0604030504040204" pitchFamily="34" charset="-120"/>
-              <a:ea typeface="Microsoft JhengHei" panose="020B0604030504040204" pitchFamily="34" charset="-120"/>
-            </a:endParaRPr>
           </a:p>
         </p:txBody>
       </p:sp>
@@ -5546,13 +5514,6 @@
               </a:rPr>
               <a:t>使我完全屬耶穌</a:t>
             </a:r>
-            <a:endParaRPr lang="zh-TW" altLang="en-US" sz="6400" b="1" dirty="0">
-              <a:solidFill>
-                <a:srgbClr val="000066"/>
-              </a:solidFill>
-              <a:latin typeface="Microsoft JhengHei" panose="020B0604030504040204" pitchFamily="34" charset="-120"/>
-              <a:ea typeface="Microsoft JhengHei" panose="020B0604030504040204" pitchFamily="34" charset="-120"/>
-            </a:endParaRPr>
           </a:p>
         </p:txBody>
       </p:sp>
@@ -5565,7 +5526,7 @@
         <p:spPr>
           <a:xfrm>
             <a:off x="0" y="5061182"/>
-            <a:ext cx="12192000" cy="830997"/>
+            <a:ext cx="12192000" cy="707886"/>
           </a:xfrm>
           <a:prstGeom prst="rect">
             <a:avLst/>
@@ -5580,19 +5541,37 @@
           <a:p>
             <a:pPr algn="ctr"/>
             <a:r>
-              <a:rPr lang="en-US" sz="4800" b="1" dirty="0">
+              <a:rPr lang="en-US" sz="4000" b="1" dirty="0">
                 <a:solidFill>
                   <a:srgbClr val="000066"/>
                 </a:solidFill>
-                <a:effectLst/>
+                <a:latin typeface="+mn-lt"/>
               </a:rPr>
-              <a:t>( 3 )</a:t>
-            </a:r>
-            <a:endParaRPr lang="vi-VN" sz="4800" b="1" dirty="0">
+              <a:t>( </a:t>
+            </a:r>
+            <a:r>
+              <a:rPr lang="en-US" sz="4000" b="1" dirty="0">
+                <a:solidFill>
+                  <a:srgbClr val="000066"/>
+                </a:solidFill>
+                <a:latin typeface="+mn-lt"/>
+              </a:rPr>
+              <a:t>3 </a:t>
+            </a:r>
+            <a:r>
+              <a:rPr lang="en-US" sz="4000" b="1" dirty="0">
+                <a:solidFill>
+                  <a:srgbClr val="000066"/>
+                </a:solidFill>
+                <a:latin typeface="+mn-lt"/>
+              </a:rPr>
+              <a:t>/ 5 )</a:t>
+            </a:r>
+            <a:endParaRPr lang="vi-VN" sz="4000" b="1" dirty="0">
               <a:solidFill>
                 <a:srgbClr val="000066"/>
               </a:solidFill>
-              <a:effectLst/>
+              <a:latin typeface="+mn-lt"/>
             </a:endParaRPr>
           </a:p>
         </p:txBody>
@@ -5684,13 +5663,6 @@
               </a:rPr>
               <a:t>主屬我我屬乎主</a:t>
             </a:r>
-            <a:endParaRPr lang="zh-TW" altLang="en-US" sz="6400" b="1" dirty="0">
-              <a:solidFill>
-                <a:srgbClr val="000066"/>
-              </a:solidFill>
-              <a:latin typeface="Microsoft JhengHei" panose="020B0604030504040204" pitchFamily="34" charset="-120"/>
-              <a:ea typeface="Microsoft JhengHei" panose="020B0604030504040204" pitchFamily="34" charset="-120"/>
-            </a:endParaRPr>
           </a:p>
         </p:txBody>
       </p:sp>
@@ -5703,7 +5675,7 @@
         <p:spPr>
           <a:xfrm>
             <a:off x="0" y="5061182"/>
-            <a:ext cx="12192000" cy="830997"/>
+            <a:ext cx="12192000" cy="707886"/>
           </a:xfrm>
           <a:prstGeom prst="rect">
             <a:avLst/>
@@ -5718,19 +5690,19 @@
           <a:p>
             <a:pPr algn="ctr"/>
             <a:r>
-              <a:rPr lang="en-US" sz="4800" b="1" dirty="0">
+              <a:rPr lang="en-US" sz="4000" b="1" dirty="0">
                 <a:solidFill>
                   <a:srgbClr val="000066"/>
                 </a:solidFill>
-                <a:effectLst/>
+                <a:latin typeface="+mn-lt"/>
               </a:rPr>
-              <a:t>( 3 )</a:t>
-            </a:r>
-            <a:endParaRPr lang="vi-VN" sz="4800" b="1" dirty="0">
+              <a:t>( 3 / 5 )</a:t>
+            </a:r>
+            <a:endParaRPr lang="vi-VN" sz="4000" b="1" dirty="0">
               <a:solidFill>
                 <a:srgbClr val="000066"/>
               </a:solidFill>
-              <a:effectLst/>
+              <a:latin typeface="+mn-lt"/>
             </a:endParaRPr>
           </a:p>
         </p:txBody>
